--- a/Week6 Activities.pptx
+++ b/Week6 Activities.pptx
@@ -9,6 +9,8 @@
     <p:sldId id="257" r:id="rId3"/>
     <p:sldId id="258" r:id="rId4"/>
     <p:sldId id="259" r:id="rId5"/>
+    <p:sldId id="260" r:id="rId6"/>
+    <p:sldId id="261" r:id="rId7"/>
   </p:sldIdLst>
   <p:sldSz cx="12192000" cy="6858000"/>
   <p:notesSz cx="6858000" cy="9144000"/>
@@ -107,6 +109,11 @@
       </a:defRPr>
     </a:lvl9pPr>
   </p:defaultTextStyle>
+  <p:extLst>
+    <p:ext uri="{EFAFB233-063F-42B5-8137-9DF3F51BA10A}">
+      <p15:sldGuideLst xmlns:p15="http://schemas.microsoft.com/office/powerpoint/2012/main"/>
+    </p:ext>
+  </p:extLst>
 </p:presentation>
 </file>
 
@@ -259,7 +266,7 @@
           <a:p>
             <a:fld id="{5CE69285-9248-4E9A-B261-A7D9480C6CCC}" type="datetimeFigureOut">
               <a:rPr lang="en-AU" smtClean="0"/>
-              <a:t>25/08/2024</a:t>
+              <a:t>1/09/2024</a:t>
             </a:fld>
             <a:endParaRPr lang="en-AU"/>
           </a:p>
@@ -459,7 +466,7 @@
           <a:p>
             <a:fld id="{5CE69285-9248-4E9A-B261-A7D9480C6CCC}" type="datetimeFigureOut">
               <a:rPr lang="en-AU" smtClean="0"/>
-              <a:t>25/08/2024</a:t>
+              <a:t>1/09/2024</a:t>
             </a:fld>
             <a:endParaRPr lang="en-AU"/>
           </a:p>
@@ -669,7 +676,7 @@
           <a:p>
             <a:fld id="{5CE69285-9248-4E9A-B261-A7D9480C6CCC}" type="datetimeFigureOut">
               <a:rPr lang="en-AU" smtClean="0"/>
-              <a:t>25/08/2024</a:t>
+              <a:t>1/09/2024</a:t>
             </a:fld>
             <a:endParaRPr lang="en-AU"/>
           </a:p>
@@ -869,7 +876,7 @@
           <a:p>
             <a:fld id="{5CE69285-9248-4E9A-B261-A7D9480C6CCC}" type="datetimeFigureOut">
               <a:rPr lang="en-AU" smtClean="0"/>
-              <a:t>25/08/2024</a:t>
+              <a:t>1/09/2024</a:t>
             </a:fld>
             <a:endParaRPr lang="en-AU"/>
           </a:p>
@@ -1145,7 +1152,7 @@
           <a:p>
             <a:fld id="{5CE69285-9248-4E9A-B261-A7D9480C6CCC}" type="datetimeFigureOut">
               <a:rPr lang="en-AU" smtClean="0"/>
-              <a:t>25/08/2024</a:t>
+              <a:t>1/09/2024</a:t>
             </a:fld>
             <a:endParaRPr lang="en-AU"/>
           </a:p>
@@ -1413,7 +1420,7 @@
           <a:p>
             <a:fld id="{5CE69285-9248-4E9A-B261-A7D9480C6CCC}" type="datetimeFigureOut">
               <a:rPr lang="en-AU" smtClean="0"/>
-              <a:t>25/08/2024</a:t>
+              <a:t>1/09/2024</a:t>
             </a:fld>
             <a:endParaRPr lang="en-AU"/>
           </a:p>
@@ -1828,7 +1835,7 @@
           <a:p>
             <a:fld id="{5CE69285-9248-4E9A-B261-A7D9480C6CCC}" type="datetimeFigureOut">
               <a:rPr lang="en-AU" smtClean="0"/>
-              <a:t>25/08/2024</a:t>
+              <a:t>1/09/2024</a:t>
             </a:fld>
             <a:endParaRPr lang="en-AU"/>
           </a:p>
@@ -1970,7 +1977,7 @@
           <a:p>
             <a:fld id="{5CE69285-9248-4E9A-B261-A7D9480C6CCC}" type="datetimeFigureOut">
               <a:rPr lang="en-AU" smtClean="0"/>
-              <a:t>25/08/2024</a:t>
+              <a:t>1/09/2024</a:t>
             </a:fld>
             <a:endParaRPr lang="en-AU"/>
           </a:p>
@@ -2083,7 +2090,7 @@
           <a:p>
             <a:fld id="{5CE69285-9248-4E9A-B261-A7D9480C6CCC}" type="datetimeFigureOut">
               <a:rPr lang="en-AU" smtClean="0"/>
-              <a:t>25/08/2024</a:t>
+              <a:t>1/09/2024</a:t>
             </a:fld>
             <a:endParaRPr lang="en-AU"/>
           </a:p>
@@ -2396,7 +2403,7 @@
           <a:p>
             <a:fld id="{5CE69285-9248-4E9A-B261-A7D9480C6CCC}" type="datetimeFigureOut">
               <a:rPr lang="en-AU" smtClean="0"/>
-              <a:t>25/08/2024</a:t>
+              <a:t>1/09/2024</a:t>
             </a:fld>
             <a:endParaRPr lang="en-AU"/>
           </a:p>
@@ -2685,7 +2692,7 @@
           <a:p>
             <a:fld id="{5CE69285-9248-4E9A-B261-A7D9480C6CCC}" type="datetimeFigureOut">
               <a:rPr lang="en-AU" smtClean="0"/>
-              <a:t>25/08/2024</a:t>
+              <a:t>1/09/2024</a:t>
             </a:fld>
             <a:endParaRPr lang="en-AU"/>
           </a:p>
@@ -2928,7 +2935,7 @@
           <a:p>
             <a:fld id="{5CE69285-9248-4E9A-B261-A7D9480C6CCC}" type="datetimeFigureOut">
               <a:rPr lang="en-AU" smtClean="0"/>
-              <a:t>25/08/2024</a:t>
+              <a:t>1/09/2024</a:t>
             </a:fld>
             <a:endParaRPr lang="en-AU"/>
           </a:p>
@@ -3800,7 +3807,7 @@
           <a:p>
             <a:pPr lvl="1"/>
             <a:r>
-              <a:rPr lang="en-AU"/>
+              <a:rPr lang="en-AU" dirty="0"/>
               <a:t>Wafw00f 192.168.56.50</a:t>
             </a:r>
           </a:p>
@@ -3814,6 +3821,257 @@
     <p:extLst>
       <p:ext uri="{BB962C8B-B14F-4D97-AF65-F5344CB8AC3E}">
         <p14:creationId xmlns:p14="http://schemas.microsoft.com/office/powerpoint/2010/main" val="1400908474"/>
+      </p:ext>
+    </p:extLst>
+  </p:cSld>
+  <p:clrMapOvr>
+    <a:masterClrMapping/>
+  </p:clrMapOvr>
+</p:sld>
+</file>
+
+<file path=ppt/slides/slide5.xml><?xml version="1.0" encoding="utf-8"?>
+<p:sld xmlns:a="http://schemas.openxmlformats.org/drawingml/2006/main" xmlns:r="http://schemas.openxmlformats.org/officeDocument/2006/relationships" xmlns:p="http://schemas.openxmlformats.org/presentationml/2006/main">
+  <p:cSld>
+    <p:spTree>
+      <p:nvGrpSpPr>
+        <p:cNvPr id="1" name=""/>
+        <p:cNvGrpSpPr/>
+        <p:nvPr/>
+      </p:nvGrpSpPr>
+      <p:grpSpPr>
+        <a:xfrm>
+          <a:off x="0" y="0"/>
+          <a:ext cx="0" cy="0"/>
+          <a:chOff x="0" y="0"/>
+          <a:chExt cx="0" cy="0"/>
+        </a:xfrm>
+      </p:grpSpPr>
+      <p:sp>
+        <p:nvSpPr>
+          <p:cNvPr id="2" name="Title 1">
+            <a:extLst>
+              <a:ext uri="{FF2B5EF4-FFF2-40B4-BE49-F238E27FC236}">
+                <a16:creationId xmlns:a16="http://schemas.microsoft.com/office/drawing/2014/main" id="{B4087591-D3A9-3F50-3DD2-16D8F2978767}"/>
+              </a:ext>
+            </a:extLst>
+          </p:cNvPr>
+          <p:cNvSpPr>
+            <a:spLocks noGrp="1"/>
+          </p:cNvSpPr>
+          <p:nvPr>
+            <p:ph type="title"/>
+          </p:nvPr>
+        </p:nvSpPr>
+        <p:spPr/>
+        <p:txBody>
+          <a:bodyPr/>
+          <a:lstStyle/>
+          <a:p>
+            <a:r>
+              <a:rPr lang="en-US" dirty="0"/>
+              <a:t>Nessus Scan</a:t>
+            </a:r>
+            <a:endParaRPr lang="en-AU" dirty="0"/>
+          </a:p>
+        </p:txBody>
+      </p:sp>
+      <p:sp>
+        <p:nvSpPr>
+          <p:cNvPr id="3" name="Content Placeholder 2">
+            <a:extLst>
+              <a:ext uri="{FF2B5EF4-FFF2-40B4-BE49-F238E27FC236}">
+                <a16:creationId xmlns:a16="http://schemas.microsoft.com/office/drawing/2014/main" id="{9278E0A4-B948-A8B2-8CD6-DDEF7C1994CD}"/>
+              </a:ext>
+            </a:extLst>
+          </p:cNvPr>
+          <p:cNvSpPr>
+            <a:spLocks noGrp="1"/>
+          </p:cNvSpPr>
+          <p:nvPr>
+            <p:ph idx="1"/>
+          </p:nvPr>
+        </p:nvSpPr>
+        <p:spPr/>
+        <p:txBody>
+          <a:bodyPr/>
+          <a:lstStyle/>
+          <a:p>
+            <a:r>
+              <a:rPr lang="en-US" dirty="0"/>
+              <a:t>Setup Nessus Scan</a:t>
+            </a:r>
+          </a:p>
+          <a:p>
+            <a:endParaRPr lang="en-AU" dirty="0"/>
+          </a:p>
+          <a:p>
+            <a:endParaRPr lang="en-AU" dirty="0"/>
+          </a:p>
+          <a:p>
+            <a:endParaRPr lang="en-AU" dirty="0"/>
+          </a:p>
+          <a:p>
+            <a:r>
+              <a:rPr lang="en-AU" dirty="0"/>
+              <a:t>Start Scanning</a:t>
+            </a:r>
+          </a:p>
+        </p:txBody>
+      </p:sp>
+      <p:pic>
+        <p:nvPicPr>
+          <p:cNvPr id="5" name="Picture 4">
+            <a:extLst>
+              <a:ext uri="{FF2B5EF4-FFF2-40B4-BE49-F238E27FC236}">
+                <a16:creationId xmlns:a16="http://schemas.microsoft.com/office/drawing/2014/main" id="{2E2CD573-7943-32BC-4EE6-D128E7DB1B6A}"/>
+              </a:ext>
+            </a:extLst>
+          </p:cNvPr>
+          <p:cNvPicPr>
+            <a:picLocks noChangeAspect="1"/>
+          </p:cNvPicPr>
+          <p:nvPr/>
+        </p:nvPicPr>
+        <p:blipFill>
+          <a:blip r:embed="rId2"/>
+          <a:stretch>
+            <a:fillRect/>
+          </a:stretch>
+        </p:blipFill>
+        <p:spPr>
+          <a:xfrm>
+            <a:off x="0" y="2571542"/>
+            <a:ext cx="12192000" cy="898557"/>
+          </a:xfrm>
+          <a:prstGeom prst="rect">
+            <a:avLst/>
+          </a:prstGeom>
+        </p:spPr>
+      </p:pic>
+      <p:pic>
+        <p:nvPicPr>
+          <p:cNvPr id="7" name="Picture 6">
+            <a:extLst>
+              <a:ext uri="{FF2B5EF4-FFF2-40B4-BE49-F238E27FC236}">
+                <a16:creationId xmlns:a16="http://schemas.microsoft.com/office/drawing/2014/main" id="{93234883-7FFA-0A2B-77E4-696C7C9FDD33}"/>
+              </a:ext>
+            </a:extLst>
+          </p:cNvPr>
+          <p:cNvPicPr>
+            <a:picLocks noChangeAspect="1"/>
+          </p:cNvPicPr>
+          <p:nvPr/>
+        </p:nvPicPr>
+        <p:blipFill>
+          <a:blip r:embed="rId3"/>
+          <a:stretch>
+            <a:fillRect/>
+          </a:stretch>
+        </p:blipFill>
+        <p:spPr>
+          <a:xfrm>
+            <a:off x="0" y="4286458"/>
+            <a:ext cx="12192000" cy="880853"/>
+          </a:xfrm>
+          <a:prstGeom prst="rect">
+            <a:avLst/>
+          </a:prstGeom>
+        </p:spPr>
+      </p:pic>
+    </p:spTree>
+    <p:extLst>
+      <p:ext uri="{BB962C8B-B14F-4D97-AF65-F5344CB8AC3E}">
+        <p14:creationId xmlns:p14="http://schemas.microsoft.com/office/powerpoint/2010/main" val="3628660439"/>
+      </p:ext>
+    </p:extLst>
+  </p:cSld>
+  <p:clrMapOvr>
+    <a:masterClrMapping/>
+  </p:clrMapOvr>
+</p:sld>
+</file>
+
+<file path=ppt/slides/slide6.xml><?xml version="1.0" encoding="utf-8"?>
+<p:sld xmlns:a="http://schemas.openxmlformats.org/drawingml/2006/main" xmlns:r="http://schemas.openxmlformats.org/officeDocument/2006/relationships" xmlns:p="http://schemas.openxmlformats.org/presentationml/2006/main">
+  <p:cSld>
+    <p:spTree>
+      <p:nvGrpSpPr>
+        <p:cNvPr id="1" name=""/>
+        <p:cNvGrpSpPr/>
+        <p:nvPr/>
+      </p:nvGrpSpPr>
+      <p:grpSpPr>
+        <a:xfrm>
+          <a:off x="0" y="0"/>
+          <a:ext cx="0" cy="0"/>
+          <a:chOff x="0" y="0"/>
+          <a:chExt cx="0" cy="0"/>
+        </a:xfrm>
+      </p:grpSpPr>
+      <p:sp>
+        <p:nvSpPr>
+          <p:cNvPr id="2" name="Title 1">
+            <a:extLst>
+              <a:ext uri="{FF2B5EF4-FFF2-40B4-BE49-F238E27FC236}">
+                <a16:creationId xmlns:a16="http://schemas.microsoft.com/office/drawing/2014/main" id="{2B3ED848-0D44-800A-CCF7-569740994DFF}"/>
+              </a:ext>
+            </a:extLst>
+          </p:cNvPr>
+          <p:cNvSpPr>
+            <a:spLocks noGrp="1"/>
+          </p:cNvSpPr>
+          <p:nvPr>
+            <p:ph type="title"/>
+          </p:nvPr>
+        </p:nvSpPr>
+        <p:spPr/>
+        <p:txBody>
+          <a:bodyPr/>
+          <a:lstStyle/>
+          <a:p>
+            <a:r>
+              <a:rPr lang="en-US" dirty="0"/>
+              <a:t>Nessus Scan – Report generation </a:t>
+            </a:r>
+            <a:endParaRPr lang="en-AU" dirty="0"/>
+          </a:p>
+        </p:txBody>
+      </p:sp>
+      <p:pic>
+        <p:nvPicPr>
+          <p:cNvPr id="5" name="Picture 4">
+            <a:extLst>
+              <a:ext uri="{FF2B5EF4-FFF2-40B4-BE49-F238E27FC236}">
+                <a16:creationId xmlns:a16="http://schemas.microsoft.com/office/drawing/2014/main" id="{7A885840-B5D0-9F46-9BBB-7ED51BF882ED}"/>
+              </a:ext>
+            </a:extLst>
+          </p:cNvPr>
+          <p:cNvPicPr>
+            <a:picLocks noChangeAspect="1"/>
+          </p:cNvPicPr>
+          <p:nvPr/>
+        </p:nvPicPr>
+        <p:blipFill>
+          <a:blip r:embed="rId2"/>
+          <a:stretch>
+            <a:fillRect/>
+          </a:stretch>
+        </p:blipFill>
+        <p:spPr>
+          <a:xfrm>
+            <a:off x="158260" y="1690688"/>
+            <a:ext cx="12302577" cy="5007824"/>
+          </a:xfrm>
+          <a:prstGeom prst="rect">
+            <a:avLst/>
+          </a:prstGeom>
+        </p:spPr>
+      </p:pic>
+    </p:spTree>
+    <p:extLst>
+      <p:ext uri="{BB962C8B-B14F-4D97-AF65-F5344CB8AC3E}">
+        <p14:creationId xmlns:p14="http://schemas.microsoft.com/office/powerpoint/2010/main" val="2185764903"/>
       </p:ext>
     </p:extLst>
   </p:cSld>

--- a/Week6 Activities.pptx
+++ b/Week6 Activities.pptx
@@ -11,6 +11,9 @@
     <p:sldId id="259" r:id="rId5"/>
     <p:sldId id="260" r:id="rId6"/>
     <p:sldId id="261" r:id="rId7"/>
+    <p:sldId id="264" r:id="rId8"/>
+    <p:sldId id="262" r:id="rId9"/>
+    <p:sldId id="263" r:id="rId10"/>
   </p:sldIdLst>
   <p:sldSz cx="12192000" cy="6858000"/>
   <p:notesSz cx="6858000" cy="9144000"/>
@@ -266,7 +269,7 @@
           <a:p>
             <a:fld id="{5CE69285-9248-4E9A-B261-A7D9480C6CCC}" type="datetimeFigureOut">
               <a:rPr lang="en-AU" smtClean="0"/>
-              <a:t>1/09/2024</a:t>
+              <a:t>9/09/2024</a:t>
             </a:fld>
             <a:endParaRPr lang="en-AU"/>
           </a:p>
@@ -466,7 +469,7 @@
           <a:p>
             <a:fld id="{5CE69285-9248-4E9A-B261-A7D9480C6CCC}" type="datetimeFigureOut">
               <a:rPr lang="en-AU" smtClean="0"/>
-              <a:t>1/09/2024</a:t>
+              <a:t>9/09/2024</a:t>
             </a:fld>
             <a:endParaRPr lang="en-AU"/>
           </a:p>
@@ -676,7 +679,7 @@
           <a:p>
             <a:fld id="{5CE69285-9248-4E9A-B261-A7D9480C6CCC}" type="datetimeFigureOut">
               <a:rPr lang="en-AU" smtClean="0"/>
-              <a:t>1/09/2024</a:t>
+              <a:t>9/09/2024</a:t>
             </a:fld>
             <a:endParaRPr lang="en-AU"/>
           </a:p>
@@ -876,7 +879,7 @@
           <a:p>
             <a:fld id="{5CE69285-9248-4E9A-B261-A7D9480C6CCC}" type="datetimeFigureOut">
               <a:rPr lang="en-AU" smtClean="0"/>
-              <a:t>1/09/2024</a:t>
+              <a:t>9/09/2024</a:t>
             </a:fld>
             <a:endParaRPr lang="en-AU"/>
           </a:p>
@@ -1152,7 +1155,7 @@
           <a:p>
             <a:fld id="{5CE69285-9248-4E9A-B261-A7D9480C6CCC}" type="datetimeFigureOut">
               <a:rPr lang="en-AU" smtClean="0"/>
-              <a:t>1/09/2024</a:t>
+              <a:t>9/09/2024</a:t>
             </a:fld>
             <a:endParaRPr lang="en-AU"/>
           </a:p>
@@ -1420,7 +1423,7 @@
           <a:p>
             <a:fld id="{5CE69285-9248-4E9A-B261-A7D9480C6CCC}" type="datetimeFigureOut">
               <a:rPr lang="en-AU" smtClean="0"/>
-              <a:t>1/09/2024</a:t>
+              <a:t>9/09/2024</a:t>
             </a:fld>
             <a:endParaRPr lang="en-AU"/>
           </a:p>
@@ -1835,7 +1838,7 @@
           <a:p>
             <a:fld id="{5CE69285-9248-4E9A-B261-A7D9480C6CCC}" type="datetimeFigureOut">
               <a:rPr lang="en-AU" smtClean="0"/>
-              <a:t>1/09/2024</a:t>
+              <a:t>9/09/2024</a:t>
             </a:fld>
             <a:endParaRPr lang="en-AU"/>
           </a:p>
@@ -1977,7 +1980,7 @@
           <a:p>
             <a:fld id="{5CE69285-9248-4E9A-B261-A7D9480C6CCC}" type="datetimeFigureOut">
               <a:rPr lang="en-AU" smtClean="0"/>
-              <a:t>1/09/2024</a:t>
+              <a:t>9/09/2024</a:t>
             </a:fld>
             <a:endParaRPr lang="en-AU"/>
           </a:p>
@@ -2090,7 +2093,7 @@
           <a:p>
             <a:fld id="{5CE69285-9248-4E9A-B261-A7D9480C6CCC}" type="datetimeFigureOut">
               <a:rPr lang="en-AU" smtClean="0"/>
-              <a:t>1/09/2024</a:t>
+              <a:t>9/09/2024</a:t>
             </a:fld>
             <a:endParaRPr lang="en-AU"/>
           </a:p>
@@ -2403,7 +2406,7 @@
           <a:p>
             <a:fld id="{5CE69285-9248-4E9A-B261-A7D9480C6CCC}" type="datetimeFigureOut">
               <a:rPr lang="en-AU" smtClean="0"/>
-              <a:t>1/09/2024</a:t>
+              <a:t>9/09/2024</a:t>
             </a:fld>
             <a:endParaRPr lang="en-AU"/>
           </a:p>
@@ -2692,7 +2695,7 @@
           <a:p>
             <a:fld id="{5CE69285-9248-4E9A-B261-A7D9480C6CCC}" type="datetimeFigureOut">
               <a:rPr lang="en-AU" smtClean="0"/>
-              <a:t>1/09/2024</a:t>
+              <a:t>9/09/2024</a:t>
             </a:fld>
             <a:endParaRPr lang="en-AU"/>
           </a:p>
@@ -2935,7 +2938,7 @@
           <a:p>
             <a:fld id="{5CE69285-9248-4E9A-B261-A7D9480C6CCC}" type="datetimeFigureOut">
               <a:rPr lang="en-AU" smtClean="0"/>
-              <a:t>1/09/2024</a:t>
+              <a:t>9/09/2024</a:t>
             </a:fld>
             <a:endParaRPr lang="en-AU"/>
           </a:p>
@@ -3338,6 +3341,14 @@
 <file path=ppt/slides/slide1.xml><?xml version="1.0" encoding="utf-8"?>
 <p:sld xmlns:a="http://schemas.openxmlformats.org/drawingml/2006/main" xmlns:r="http://schemas.openxmlformats.org/officeDocument/2006/relationships" xmlns:p="http://schemas.openxmlformats.org/presentationml/2006/main">
   <p:cSld>
+    <p:bg>
+      <p:bgPr>
+        <a:solidFill>
+          <a:schemeClr val="bg1"/>
+        </a:solidFill>
+        <a:effectLst/>
+      </p:bgPr>
+    </p:bg>
     <p:spTree>
       <p:nvGrpSpPr>
         <p:cNvPr id="1" name=""/>
@@ -3352,6 +3363,526 @@
           <a:chExt cx="0" cy="0"/>
         </a:xfrm>
       </p:grpSpPr>
+      <p:sp useBgFill="1">
+        <p:nvSpPr>
+          <p:cNvPr id="19" name="Rectangle 18">
+            <a:extLst>
+              <a:ext uri="{FF2B5EF4-FFF2-40B4-BE49-F238E27FC236}">
+                <a16:creationId xmlns:a16="http://schemas.microsoft.com/office/drawing/2014/main" id="{6F5A5072-7B47-4D32-B52A-4EBBF590B8A5}"/>
+              </a:ext>
+              <a:ext uri="{C183D7F6-B498-43B3-948B-1728B52AA6E4}">
+                <adec:decorative xmlns:adec="http://schemas.microsoft.com/office/drawing/2017/decorative" val="1"/>
+              </a:ext>
+            </a:extLst>
+          </p:cNvPr>
+          <p:cNvSpPr>
+            <a:spLocks noGrp="1" noRot="1" noChangeAspect="1" noMove="1" noResize="1" noEditPoints="1" noAdjustHandles="1" noChangeArrowheads="1" noChangeShapeType="1" noTextEdit="1"/>
+          </p:cNvSpPr>
+          <p:nvPr>
+            <p:extLst>
+              <p:ext uri="{386F3935-93C4-4BCD-93E2-E3B085C9AB24}">
+                <p16:designElem xmlns:p16="http://schemas.microsoft.com/office/powerpoint/2015/main" val="1"/>
+              </p:ext>
+            </p:extLst>
+          </p:nvPr>
+        </p:nvSpPr>
+        <p:spPr>
+          <a:xfrm>
+            <a:off x="0" y="0"/>
+            <a:ext cx="12192000" cy="6858000"/>
+          </a:xfrm>
+          <a:prstGeom prst="rect">
+            <a:avLst/>
+          </a:prstGeom>
+          <a:ln w="12700" cap="flat" cmpd="sng" algn="ctr">
+            <a:noFill/>
+            <a:prstDash val="solid"/>
+            <a:miter lim="800000"/>
+          </a:ln>
+          <a:effectLst/>
+          <a:extLst>
+            <a:ext uri="{91240B29-F687-4F45-9708-019B960494DF}">
+              <a14:hiddenLine xmlns:a14="http://schemas.microsoft.com/office/drawing/2010/main" w="12700" cap="flat" cmpd="sng" algn="ctr">
+                <a:solidFill>
+                  <a:schemeClr val="accent1">
+                    <a:shade val="50000"/>
+                  </a:schemeClr>
+                </a:solidFill>
+                <a:prstDash val="solid"/>
+                <a:miter lim="800000"/>
+              </a14:hiddenLine>
+            </a:ext>
+          </a:extLst>
+        </p:spPr>
+        <p:style>
+          <a:lnRef idx="2">
+            <a:schemeClr val="accent1">
+              <a:shade val="50000"/>
+            </a:schemeClr>
+          </a:lnRef>
+          <a:fillRef idx="1">
+            <a:schemeClr val="accent1"/>
+          </a:fillRef>
+          <a:effectRef idx="0">
+            <a:schemeClr val="accent1"/>
+          </a:effectRef>
+          <a:fontRef idx="minor">
+            <a:schemeClr val="lt1"/>
+          </a:fontRef>
+        </p:style>
+        <p:txBody>
+          <a:bodyPr rtlCol="0" anchor="ctr"/>
+          <a:lstStyle/>
+          <a:p>
+            <a:pPr algn="ctr"/>
+            <a:endParaRPr lang="en-US"/>
+          </a:p>
+        </p:txBody>
+      </p:sp>
+      <p:sp>
+        <p:nvSpPr>
+          <p:cNvPr id="20" name="Rectangle 19">
+            <a:extLst>
+              <a:ext uri="{FF2B5EF4-FFF2-40B4-BE49-F238E27FC236}">
+                <a16:creationId xmlns:a16="http://schemas.microsoft.com/office/drawing/2014/main" id="{9715DAF0-AE1B-46C9-8A6B-DB2AA05AB91D}"/>
+              </a:ext>
+              <a:ext uri="{C183D7F6-B498-43B3-948B-1728B52AA6E4}">
+                <adec:decorative xmlns:adec="http://schemas.microsoft.com/office/drawing/2017/decorative" val="1"/>
+              </a:ext>
+            </a:extLst>
+          </p:cNvPr>
+          <p:cNvSpPr>
+            <a:spLocks noGrp="1" noRot="1" noChangeAspect="1" noMove="1" noResize="1" noEditPoints="1" noAdjustHandles="1" noChangeArrowheads="1" noChangeShapeType="1" noTextEdit="1"/>
+          </p:cNvSpPr>
+          <p:nvPr>
+            <p:extLst>
+              <p:ext uri="{386F3935-93C4-4BCD-93E2-E3B085C9AB24}">
+                <p16:designElem xmlns:p16="http://schemas.microsoft.com/office/powerpoint/2015/main" val="1"/>
+              </p:ext>
+            </p:extLst>
+          </p:nvPr>
+        </p:nvSpPr>
+        <p:spPr>
+          <a:xfrm rot="10800000">
+            <a:off x="-2" y="-22693"/>
+            <a:ext cx="12191999" cy="4374129"/>
+          </a:xfrm>
+          <a:prstGeom prst="rect">
+            <a:avLst/>
+          </a:prstGeom>
+          <a:gradFill>
+            <a:gsLst>
+              <a:gs pos="0">
+                <a:schemeClr val="accent1">
+                  <a:lumMod val="75000"/>
+                </a:schemeClr>
+              </a:gs>
+              <a:gs pos="100000">
+                <a:srgbClr val="000000"/>
+              </a:gs>
+            </a:gsLst>
+            <a:lin ang="15000000" scaled="0"/>
+          </a:gradFill>
+          <a:ln>
+            <a:noFill/>
+          </a:ln>
+        </p:spPr>
+        <p:style>
+          <a:lnRef idx="2">
+            <a:schemeClr val="accent1">
+              <a:shade val="50000"/>
+            </a:schemeClr>
+          </a:lnRef>
+          <a:fillRef idx="1">
+            <a:schemeClr val="accent1"/>
+          </a:fillRef>
+          <a:effectRef idx="0">
+            <a:schemeClr val="accent1"/>
+          </a:effectRef>
+          <a:fontRef idx="minor">
+            <a:schemeClr val="lt1"/>
+          </a:fontRef>
+        </p:style>
+        <p:txBody>
+          <a:bodyPr rtlCol="0" anchor="ctr"/>
+          <a:lstStyle/>
+          <a:p>
+            <a:pPr algn="ctr"/>
+            <a:endParaRPr lang="en-US"/>
+          </a:p>
+        </p:txBody>
+      </p:sp>
+      <p:sp>
+        <p:nvSpPr>
+          <p:cNvPr id="12" name="Rectangle 11">
+            <a:extLst>
+              <a:ext uri="{FF2B5EF4-FFF2-40B4-BE49-F238E27FC236}">
+                <a16:creationId xmlns:a16="http://schemas.microsoft.com/office/drawing/2014/main" id="{6016219D-510E-4184-9090-6D5578A87BD1}"/>
+              </a:ext>
+              <a:ext uri="{C183D7F6-B498-43B3-948B-1728B52AA6E4}">
+                <adec:decorative xmlns:adec="http://schemas.microsoft.com/office/drawing/2017/decorative" val="1"/>
+              </a:ext>
+            </a:extLst>
+          </p:cNvPr>
+          <p:cNvSpPr>
+            <a:spLocks noGrp="1" noRot="1" noChangeAspect="1" noMove="1" noResize="1" noEditPoints="1" noAdjustHandles="1" noChangeArrowheads="1" noChangeShapeType="1" noTextEdit="1"/>
+          </p:cNvSpPr>
+          <p:nvPr>
+            <p:extLst>
+              <p:ext uri="{386F3935-93C4-4BCD-93E2-E3B085C9AB24}">
+                <p16:designElem xmlns:p16="http://schemas.microsoft.com/office/powerpoint/2015/main" val="1"/>
+              </p:ext>
+            </p:extLst>
+          </p:nvPr>
+        </p:nvSpPr>
+        <p:spPr>
+          <a:xfrm rot="5400000">
+            <a:off x="3908719" y="-3931841"/>
+            <a:ext cx="4374557" cy="12192000"/>
+          </a:xfrm>
+          <a:prstGeom prst="rect">
+            <a:avLst/>
+          </a:prstGeom>
+          <a:gradFill>
+            <a:gsLst>
+              <a:gs pos="40000">
+                <a:schemeClr val="accent1">
+                  <a:alpha val="0"/>
+                </a:schemeClr>
+              </a:gs>
+              <a:gs pos="100000">
+                <a:schemeClr val="accent1">
+                  <a:lumMod val="75000"/>
+                  <a:alpha val="52000"/>
+                </a:schemeClr>
+              </a:gs>
+            </a:gsLst>
+            <a:lin ang="2400000" scaled="0"/>
+          </a:gradFill>
+          <a:ln>
+            <a:noFill/>
+          </a:ln>
+        </p:spPr>
+        <p:style>
+          <a:lnRef idx="2">
+            <a:schemeClr val="accent1">
+              <a:shade val="50000"/>
+            </a:schemeClr>
+          </a:lnRef>
+          <a:fillRef idx="1">
+            <a:schemeClr val="accent1"/>
+          </a:fillRef>
+          <a:effectRef idx="0">
+            <a:schemeClr val="accent1"/>
+          </a:effectRef>
+          <a:fontRef idx="minor">
+            <a:schemeClr val="lt1"/>
+          </a:fontRef>
+        </p:style>
+        <p:txBody>
+          <a:bodyPr rtlCol="0" anchor="ctr"/>
+          <a:lstStyle/>
+          <a:p>
+            <a:pPr algn="ctr"/>
+            <a:endParaRPr lang="en-US"/>
+          </a:p>
+        </p:txBody>
+      </p:sp>
+      <p:sp>
+        <p:nvSpPr>
+          <p:cNvPr id="21" name="Rectangle 20">
+            <a:extLst>
+              <a:ext uri="{FF2B5EF4-FFF2-40B4-BE49-F238E27FC236}">
+                <a16:creationId xmlns:a16="http://schemas.microsoft.com/office/drawing/2014/main" id="{AFF4A713-7B75-4B21-90D7-5AB19547C728}"/>
+              </a:ext>
+              <a:ext uri="{C183D7F6-B498-43B3-948B-1728B52AA6E4}">
+                <adec:decorative xmlns:adec="http://schemas.microsoft.com/office/drawing/2017/decorative" val="1"/>
+              </a:ext>
+            </a:extLst>
+          </p:cNvPr>
+          <p:cNvSpPr>
+            <a:spLocks noGrp="1" noRot="1" noChangeAspect="1" noMove="1" noResize="1" noEditPoints="1" noAdjustHandles="1" noChangeArrowheads="1" noChangeShapeType="1" noTextEdit="1"/>
+          </p:cNvSpPr>
+          <p:nvPr>
+            <p:extLst>
+              <p:ext uri="{386F3935-93C4-4BCD-93E2-E3B085C9AB24}">
+                <p16:designElem xmlns:p16="http://schemas.microsoft.com/office/powerpoint/2015/main" val="1"/>
+              </p:ext>
+            </p:extLst>
+          </p:nvPr>
+        </p:nvSpPr>
+        <p:spPr>
+          <a:xfrm rot="5400000">
+            <a:off x="4136696" y="-3703868"/>
+            <a:ext cx="4374128" cy="11736479"/>
+          </a:xfrm>
+          <a:prstGeom prst="rect">
+            <a:avLst/>
+          </a:prstGeom>
+          <a:gradFill>
+            <a:gsLst>
+              <a:gs pos="17000">
+                <a:schemeClr val="accent1">
+                  <a:alpha val="0"/>
+                </a:schemeClr>
+              </a:gs>
+              <a:gs pos="100000">
+                <a:srgbClr val="000000">
+                  <a:alpha val="37000"/>
+                </a:srgbClr>
+              </a:gs>
+            </a:gsLst>
+            <a:lin ang="7800000" scaled="0"/>
+          </a:gradFill>
+          <a:ln>
+            <a:noFill/>
+          </a:ln>
+        </p:spPr>
+        <p:style>
+          <a:lnRef idx="2">
+            <a:schemeClr val="accent1">
+              <a:shade val="50000"/>
+            </a:schemeClr>
+          </a:lnRef>
+          <a:fillRef idx="1">
+            <a:schemeClr val="accent1"/>
+          </a:fillRef>
+          <a:effectRef idx="0">
+            <a:schemeClr val="accent1"/>
+          </a:effectRef>
+          <a:fontRef idx="minor">
+            <a:schemeClr val="lt1"/>
+          </a:fontRef>
+        </p:style>
+        <p:txBody>
+          <a:bodyPr rtlCol="0" anchor="ctr"/>
+          <a:lstStyle/>
+          <a:p>
+            <a:pPr algn="ctr"/>
+            <a:endParaRPr lang="en-US"/>
+          </a:p>
+        </p:txBody>
+      </p:sp>
+      <p:sp>
+        <p:nvSpPr>
+          <p:cNvPr id="22" name="Rectangle 21">
+            <a:extLst>
+              <a:ext uri="{FF2B5EF4-FFF2-40B4-BE49-F238E27FC236}">
+                <a16:creationId xmlns:a16="http://schemas.microsoft.com/office/drawing/2014/main" id="{DC631C0B-6DA6-4E57-8231-CE32B3434A7E}"/>
+              </a:ext>
+              <a:ext uri="{C183D7F6-B498-43B3-948B-1728B52AA6E4}">
+                <adec:decorative xmlns:adec="http://schemas.microsoft.com/office/drawing/2017/decorative" val="1"/>
+              </a:ext>
+            </a:extLst>
+          </p:cNvPr>
+          <p:cNvSpPr>
+            <a:spLocks noGrp="1" noRot="1" noChangeAspect="1" noMove="1" noResize="1" noEditPoints="1" noAdjustHandles="1" noChangeArrowheads="1" noChangeShapeType="1" noTextEdit="1"/>
+          </p:cNvSpPr>
+          <p:nvPr>
+            <p:extLst>
+              <p:ext uri="{386F3935-93C4-4BCD-93E2-E3B085C9AB24}">
+                <p16:designElem xmlns:p16="http://schemas.microsoft.com/office/powerpoint/2015/main" val="1"/>
+              </p:ext>
+            </p:extLst>
+          </p:nvPr>
+        </p:nvSpPr>
+        <p:spPr>
+          <a:xfrm>
+            <a:off x="-5" y="-22690"/>
+            <a:ext cx="8542485" cy="4374126"/>
+          </a:xfrm>
+          <a:prstGeom prst="rect">
+            <a:avLst/>
+          </a:prstGeom>
+          <a:gradFill>
+            <a:gsLst>
+              <a:gs pos="0">
+                <a:schemeClr val="accent1">
+                  <a:lumMod val="50000"/>
+                  <a:alpha val="0"/>
+                </a:schemeClr>
+              </a:gs>
+              <a:gs pos="100000">
+                <a:srgbClr val="000000">
+                  <a:alpha val="25000"/>
+                </a:srgbClr>
+              </a:gs>
+            </a:gsLst>
+            <a:lin ang="18600000" scaled="0"/>
+          </a:gradFill>
+          <a:ln>
+            <a:noFill/>
+          </a:ln>
+        </p:spPr>
+        <p:style>
+          <a:lnRef idx="2">
+            <a:schemeClr val="accent1">
+              <a:shade val="50000"/>
+            </a:schemeClr>
+          </a:lnRef>
+          <a:fillRef idx="1">
+            <a:schemeClr val="accent1"/>
+          </a:fillRef>
+          <a:effectRef idx="0">
+            <a:schemeClr val="accent1"/>
+          </a:effectRef>
+          <a:fontRef idx="minor">
+            <a:schemeClr val="lt1"/>
+          </a:fontRef>
+        </p:style>
+        <p:txBody>
+          <a:bodyPr rtlCol="0" anchor="ctr"/>
+          <a:lstStyle/>
+          <a:p>
+            <a:pPr algn="ctr"/>
+            <a:endParaRPr lang="en-US"/>
+          </a:p>
+        </p:txBody>
+      </p:sp>
+      <p:sp>
+        <p:nvSpPr>
+          <p:cNvPr id="18" name="Freeform: Shape 17">
+            <a:extLst>
+              <a:ext uri="{FF2B5EF4-FFF2-40B4-BE49-F238E27FC236}">
+                <a16:creationId xmlns:a16="http://schemas.microsoft.com/office/drawing/2014/main" id="{C29501E6-A978-4A61-9689-9085AF97A53A}"/>
+              </a:ext>
+              <a:ext uri="{C183D7F6-B498-43B3-948B-1728B52AA6E4}">
+                <adec:decorative xmlns:adec="http://schemas.microsoft.com/office/drawing/2017/decorative" val="1"/>
+              </a:ext>
+            </a:extLst>
+          </p:cNvPr>
+          <p:cNvSpPr>
+            <a:spLocks noGrp="1" noRot="1" noChangeAspect="1" noMove="1" noResize="1" noEditPoints="1" noAdjustHandles="1" noChangeArrowheads="1" noChangeShapeType="1" noTextEdit="1"/>
+          </p:cNvSpPr>
+          <p:nvPr>
+            <p:extLst>
+              <p:ext uri="{386F3935-93C4-4BCD-93E2-E3B085C9AB24}">
+                <p16:designElem xmlns:p16="http://schemas.microsoft.com/office/powerpoint/2015/main" val="1"/>
+              </p:ext>
+            </p:extLst>
+          </p:nvPr>
+        </p:nvSpPr>
+        <p:spPr>
+          <a:xfrm rot="12508972">
+            <a:off x="5945431" y="-1032053"/>
+            <a:ext cx="4990147" cy="4439131"/>
+          </a:xfrm>
+          <a:custGeom>
+            <a:avLst/>
+            <a:gdLst>
+              <a:gd name="connsiteX0" fmla="*/ 4990147 w 4990147"/>
+              <a:gd name="connsiteY0" fmla="*/ 2229378 h 4439131"/>
+              <a:gd name="connsiteX1" fmla="*/ 917384 w 4990147"/>
+              <a:gd name="connsiteY1" fmla="*/ 4439131 h 4439131"/>
+              <a:gd name="connsiteX2" fmla="*/ 910814 w 4990147"/>
+              <a:gd name="connsiteY2" fmla="*/ 4434219 h 4439131"/>
+              <a:gd name="connsiteX3" fmla="*/ 0 w 4990147"/>
+              <a:gd name="connsiteY3" fmla="*/ 2502877 h 4439131"/>
+              <a:gd name="connsiteX4" fmla="*/ 2502877 w 4990147"/>
+              <a:gd name="connsiteY4" fmla="*/ 0 h 4439131"/>
+              <a:gd name="connsiteX5" fmla="*/ 4954904 w 4990147"/>
+              <a:gd name="connsiteY5" fmla="*/ 1998460 h 4439131"/>
+            </a:gdLst>
+            <a:ahLst/>
+            <a:cxnLst>
+              <a:cxn ang="0">
+                <a:pos x="connsiteX0" y="connsiteY0"/>
+              </a:cxn>
+              <a:cxn ang="0">
+                <a:pos x="connsiteX1" y="connsiteY1"/>
+              </a:cxn>
+              <a:cxn ang="0">
+                <a:pos x="connsiteX2" y="connsiteY2"/>
+              </a:cxn>
+              <a:cxn ang="0">
+                <a:pos x="connsiteX3" y="connsiteY3"/>
+              </a:cxn>
+              <a:cxn ang="0">
+                <a:pos x="connsiteX4" y="connsiteY4"/>
+              </a:cxn>
+              <a:cxn ang="0">
+                <a:pos x="connsiteX5" y="connsiteY5"/>
+              </a:cxn>
+            </a:cxnLst>
+            <a:rect l="l" t="t" r="r" b="b"/>
+            <a:pathLst>
+              <a:path w="4990147" h="4439131">
+                <a:moveTo>
+                  <a:pt x="4990147" y="2229378"/>
+                </a:moveTo>
+                <a:lnTo>
+                  <a:pt x="917384" y="4439131"/>
+                </a:lnTo>
+                <a:lnTo>
+                  <a:pt x="910814" y="4434219"/>
+                </a:lnTo>
+                <a:cubicBezTo>
+                  <a:pt x="354557" y="3975154"/>
+                  <a:pt x="0" y="3280421"/>
+                  <a:pt x="0" y="2502877"/>
+                </a:cubicBezTo>
+                <a:cubicBezTo>
+                  <a:pt x="0" y="1120576"/>
+                  <a:pt x="1120576" y="0"/>
+                  <a:pt x="2502877" y="0"/>
+                </a:cubicBezTo>
+                <a:cubicBezTo>
+                  <a:pt x="3712390" y="0"/>
+                  <a:pt x="4721520" y="857941"/>
+                  <a:pt x="4954904" y="1998460"/>
+                </a:cubicBezTo>
+                <a:close/>
+              </a:path>
+            </a:pathLst>
+          </a:custGeom>
+          <a:gradFill>
+            <a:gsLst>
+              <a:gs pos="0">
+                <a:schemeClr val="accent1">
+                  <a:alpha val="22000"/>
+                </a:schemeClr>
+              </a:gs>
+              <a:gs pos="87000">
+                <a:schemeClr val="accent1">
+                  <a:lumMod val="60000"/>
+                  <a:lumOff val="40000"/>
+                  <a:alpha val="2000"/>
+                </a:schemeClr>
+              </a:gs>
+            </a:gsLst>
+            <a:lin ang="8400000" scaled="0"/>
+          </a:gradFill>
+          <a:ln>
+            <a:noFill/>
+          </a:ln>
+        </p:spPr>
+        <p:style>
+          <a:lnRef idx="2">
+            <a:schemeClr val="accent1">
+              <a:shade val="50000"/>
+            </a:schemeClr>
+          </a:lnRef>
+          <a:fillRef idx="1">
+            <a:schemeClr val="accent1"/>
+          </a:fillRef>
+          <a:effectRef idx="0">
+            <a:schemeClr val="accent1"/>
+          </a:effectRef>
+          <a:fontRef idx="minor">
+            <a:schemeClr val="lt1"/>
+          </a:fontRef>
+        </p:style>
+        <p:txBody>
+          <a:bodyPr wrap="square" rtlCol="0" anchor="ctr">
+            <a:noAutofit/>
+          </a:bodyPr>
+          <a:lstStyle/>
+          <a:p>
+            <a:pPr algn="ctr"/>
+            <a:endParaRPr lang="en-US" dirty="0"/>
+          </a:p>
+        </p:txBody>
+      </p:sp>
       <p:sp>
         <p:nvSpPr>
           <p:cNvPr id="2" name="Title 1">
@@ -3368,16 +3899,32 @@
             <p:ph type="ctrTitle"/>
           </p:nvPr>
         </p:nvSpPr>
-        <p:spPr/>
-        <p:txBody>
-          <a:bodyPr/>
-          <a:lstStyle/>
-          <a:p>
-            <a:r>
-              <a:rPr lang="en-US" dirty="0"/>
+        <p:spPr>
+          <a:xfrm>
+            <a:off x="1314824" y="735106"/>
+            <a:ext cx="10053763" cy="2928470"/>
+          </a:xfrm>
+        </p:spPr>
+        <p:txBody>
+          <a:bodyPr anchor="b">
+            <a:normAutofit/>
+          </a:bodyPr>
+          <a:lstStyle/>
+          <a:p>
+            <a:pPr algn="l"/>
+            <a:r>
+              <a:rPr lang="en-US" sz="4800">
+                <a:solidFill>
+                  <a:srgbClr val="FFFFFF"/>
+                </a:solidFill>
+              </a:rPr>
               <a:t>Week6 Activities</a:t>
             </a:r>
-            <a:endParaRPr lang="en-AU" dirty="0"/>
+            <a:endParaRPr lang="en-AU" sz="4800">
+              <a:solidFill>
+                <a:srgbClr val="FFFFFF"/>
+              </a:solidFill>
+            </a:endParaRPr>
           </a:p>
         </p:txBody>
       </p:sp>
@@ -3397,22 +3944,31 @@
             <p:ph type="subTitle" idx="1"/>
           </p:nvPr>
         </p:nvSpPr>
-        <p:spPr/>
-        <p:txBody>
-          <a:bodyPr/>
-          <a:lstStyle/>
-          <a:p>
-            <a:r>
-              <a:rPr lang="en-US" dirty="0"/>
+        <p:spPr>
+          <a:xfrm>
+            <a:off x="1350682" y="4870824"/>
+            <a:ext cx="10005951" cy="1458258"/>
+          </a:xfrm>
+        </p:spPr>
+        <p:txBody>
+          <a:bodyPr anchor="ctr">
+            <a:normAutofit/>
+          </a:bodyPr>
+          <a:lstStyle/>
+          <a:p>
+            <a:pPr algn="l"/>
+            <a:r>
+              <a:rPr lang="en-US"/>
               <a:t>Search Win_2022 for venerability</a:t>
             </a:r>
           </a:p>
           <a:p>
-            <a:r>
-              <a:rPr lang="en-US" dirty="0"/>
+            <a:pPr algn="l"/>
+            <a:r>
+              <a:rPr lang="en-US"/>
               <a:t>Tevin Herath</a:t>
             </a:r>
-            <a:endParaRPr lang="en-AU" dirty="0"/>
+            <a:endParaRPr lang="en-AU"/>
           </a:p>
         </p:txBody>
       </p:sp>
@@ -3432,6 +3988,14 @@
 <file path=ppt/slides/slide2.xml><?xml version="1.0" encoding="utf-8"?>
 <p:sld xmlns:a="http://schemas.openxmlformats.org/drawingml/2006/main" xmlns:r="http://schemas.openxmlformats.org/officeDocument/2006/relationships" xmlns:p="http://schemas.openxmlformats.org/presentationml/2006/main">
   <p:cSld>
+    <p:bg>
+      <p:bgPr>
+        <a:solidFill>
+          <a:schemeClr val="bg1"/>
+        </a:solidFill>
+        <a:effectLst/>
+      </p:bgPr>
+    </p:bg>
     <p:spTree>
       <p:nvGrpSpPr>
         <p:cNvPr id="1" name=""/>
@@ -3462,62 +4026,23 @@
             <p:ph type="title"/>
           </p:nvPr>
         </p:nvSpPr>
-        <p:spPr/>
-        <p:txBody>
-          <a:bodyPr/>
-          <a:lstStyle/>
-          <a:p>
-            <a:r>
-              <a:rPr lang="en-US" dirty="0"/>
+        <p:spPr>
+          <a:xfrm>
+            <a:off x="481013" y="3752849"/>
+            <a:ext cx="3290887" cy="2452687"/>
+          </a:xfrm>
+        </p:spPr>
+        <p:txBody>
+          <a:bodyPr anchor="ctr">
+            <a:normAutofit/>
+          </a:bodyPr>
+          <a:lstStyle/>
+          <a:p>
+            <a:r>
+              <a:rPr lang="en-US" sz="3600"/>
               <a:t>Search using Nmap</a:t>
             </a:r>
-            <a:endParaRPr lang="en-AU" dirty="0"/>
-          </a:p>
-        </p:txBody>
-      </p:sp>
-      <p:sp>
-        <p:nvSpPr>
-          <p:cNvPr id="3" name="Content Placeholder 2">
-            <a:extLst>
-              <a:ext uri="{FF2B5EF4-FFF2-40B4-BE49-F238E27FC236}">
-                <a16:creationId xmlns:a16="http://schemas.microsoft.com/office/drawing/2014/main" id="{8DB7B8E2-1A90-66BD-7C56-624F54AC582A}"/>
-              </a:ext>
-            </a:extLst>
-          </p:cNvPr>
-          <p:cNvSpPr>
-            <a:spLocks noGrp="1"/>
-          </p:cNvSpPr>
-          <p:nvPr>
-            <p:ph idx="1"/>
-          </p:nvPr>
-        </p:nvSpPr>
-        <p:spPr/>
-        <p:txBody>
-          <a:bodyPr/>
-          <a:lstStyle/>
-          <a:p>
-            <a:r>
-              <a:rPr lang="en-US" dirty="0"/>
-              <a:t>Steps:</a:t>
-            </a:r>
-          </a:p>
-          <a:p>
-            <a:pPr lvl="1"/>
-            <a:r>
-              <a:rPr lang="en-US" dirty="0"/>
-              <a:t>Find my IP Address:</a:t>
-            </a:r>
-          </a:p>
-          <a:p>
-            <a:pPr lvl="2"/>
-            <a:r>
-              <a:rPr lang="en-US" dirty="0"/>
-              <a:t>Command: ipconfig</a:t>
-            </a:r>
-          </a:p>
-          <a:p>
-            <a:pPr lvl="2"/>
-            <a:endParaRPr lang="en-AU" dirty="0"/>
+            <a:endParaRPr lang="en-AU" sz="3600"/>
           </a:p>
         </p:txBody>
       </p:sp>
@@ -3537,20 +4062,113 @@
         </p:nvPicPr>
         <p:blipFill>
           <a:blip r:embed="rId2"/>
-          <a:stretch>
-            <a:fillRect/>
-          </a:stretch>
+          <a:srcRect t="20849" b="7116"/>
+          <a:stretch/>
         </p:blipFill>
         <p:spPr>
           <a:xfrm>
-            <a:off x="2013454" y="3048794"/>
-            <a:ext cx="7733561" cy="3263106"/>
+            <a:off x="20" y="10"/>
+            <a:ext cx="12191980" cy="3710603"/>
           </a:xfrm>
-          <a:prstGeom prst="rect">
+          <a:custGeom>
             <a:avLst/>
-          </a:prstGeom>
+            <a:gdLst/>
+            <a:ahLst/>
+            <a:cxnLst/>
+            <a:rect l="l" t="t" r="r" b="b"/>
+            <a:pathLst>
+              <a:path w="12192000" h="3692092">
+                <a:moveTo>
+                  <a:pt x="0" y="0"/>
+                </a:moveTo>
+                <a:lnTo>
+                  <a:pt x="12192000" y="0"/>
+                </a:lnTo>
+                <a:lnTo>
+                  <a:pt x="12192000" y="3504824"/>
+                </a:lnTo>
+                <a:lnTo>
+                  <a:pt x="12024691" y="3517794"/>
+                </a:lnTo>
+                <a:cubicBezTo>
+                  <a:pt x="8077523" y="3783195"/>
+                  <a:pt x="4094678" y="3026959"/>
+                  <a:pt x="160485" y="3663863"/>
+                </a:cubicBezTo>
+                <a:lnTo>
+                  <a:pt x="0" y="3692092"/>
+                </a:lnTo>
+                <a:close/>
+              </a:path>
+            </a:pathLst>
+          </a:custGeom>
         </p:spPr>
       </p:pic>
+      <p:sp>
+        <p:nvSpPr>
+          <p:cNvPr id="3" name="Content Placeholder 2">
+            <a:extLst>
+              <a:ext uri="{FF2B5EF4-FFF2-40B4-BE49-F238E27FC236}">
+                <a16:creationId xmlns:a16="http://schemas.microsoft.com/office/drawing/2014/main" id="{8DB7B8E2-1A90-66BD-7C56-624F54AC582A}"/>
+              </a:ext>
+            </a:extLst>
+          </p:cNvPr>
+          <p:cNvSpPr>
+            <a:spLocks noGrp="1"/>
+          </p:cNvSpPr>
+          <p:nvPr>
+            <p:ph idx="1"/>
+          </p:nvPr>
+        </p:nvSpPr>
+        <p:spPr>
+          <a:xfrm>
+            <a:off x="4223982" y="3752850"/>
+            <a:ext cx="7485413" cy="2452687"/>
+          </a:xfrm>
+        </p:spPr>
+        <p:txBody>
+          <a:bodyPr anchor="ctr">
+            <a:normAutofit/>
+          </a:bodyPr>
+          <a:lstStyle/>
+          <a:p>
+            <a:r>
+              <a:rPr lang="en-US" sz="1800"/>
+              <a:t>This activity includes searching for vulnerability using NMAP software</a:t>
+            </a:r>
+          </a:p>
+          <a:p>
+            <a:r>
+              <a:rPr lang="en-US" sz="1800"/>
+              <a:t>Purpose: Find Vulnerability – Open Ports  </a:t>
+            </a:r>
+          </a:p>
+          <a:p>
+            <a:r>
+              <a:rPr lang="en-US" sz="1800"/>
+              <a:t>Steps:</a:t>
+            </a:r>
+          </a:p>
+          <a:p>
+            <a:pPr lvl="1"/>
+            <a:r>
+              <a:rPr lang="en-US" sz="1800"/>
+              <a:t>Find my IP Address:</a:t>
+            </a:r>
+          </a:p>
+          <a:p>
+            <a:pPr lvl="2"/>
+            <a:r>
+              <a:rPr lang="en-US" sz="1800"/>
+              <a:t>Command: ipconfig</a:t>
+            </a:r>
+          </a:p>
+          <a:p>
+            <a:pPr lvl="2"/>
+            <a:endParaRPr lang="en-AU" sz="1800" dirty="0"/>
+          </a:p>
+        </p:txBody>
+      </p:sp>
     </p:spTree>
     <p:extLst>
       <p:ext uri="{BB962C8B-B14F-4D97-AF65-F5344CB8AC3E}">
@@ -3567,6 +4185,14 @@
 <file path=ppt/slides/slide3.xml><?xml version="1.0" encoding="utf-8"?>
 <p:sld xmlns:a="http://schemas.openxmlformats.org/drawingml/2006/main" xmlns:r="http://schemas.openxmlformats.org/officeDocument/2006/relationships" xmlns:p="http://schemas.openxmlformats.org/presentationml/2006/main">
   <p:cSld>
+    <p:bg>
+      <p:bgPr>
+        <a:solidFill>
+          <a:schemeClr val="bg1"/>
+        </a:solidFill>
+        <a:effectLst/>
+      </p:bgPr>
+    </p:bg>
     <p:spTree>
       <p:nvGrpSpPr>
         <p:cNvPr id="1" name=""/>
@@ -3597,75 +4223,23 @@
             <p:ph type="title"/>
           </p:nvPr>
         </p:nvSpPr>
-        <p:spPr/>
-        <p:txBody>
-          <a:bodyPr/>
-          <a:lstStyle/>
-          <a:p>
-            <a:r>
-              <a:rPr lang="en-US" dirty="0"/>
+        <p:spPr>
+          <a:xfrm>
+            <a:off x="481013" y="3752849"/>
+            <a:ext cx="3290887" cy="2452687"/>
+          </a:xfrm>
+        </p:spPr>
+        <p:txBody>
+          <a:bodyPr anchor="ctr">
+            <a:normAutofit/>
+          </a:bodyPr>
+          <a:lstStyle/>
+          <a:p>
+            <a:r>
+              <a:rPr lang="en-US" sz="3600"/>
               <a:t>Search using Nmap (Cont.)</a:t>
             </a:r>
-            <a:endParaRPr lang="en-AU" dirty="0"/>
-          </a:p>
-        </p:txBody>
-      </p:sp>
-      <p:sp>
-        <p:nvSpPr>
-          <p:cNvPr id="3" name="Content Placeholder 2">
-            <a:extLst>
-              <a:ext uri="{FF2B5EF4-FFF2-40B4-BE49-F238E27FC236}">
-                <a16:creationId xmlns:a16="http://schemas.microsoft.com/office/drawing/2014/main" id="{0F2E95FE-DFFA-CEF9-1949-CEFA6D39D708}"/>
-              </a:ext>
-            </a:extLst>
-          </p:cNvPr>
-          <p:cNvSpPr>
-            <a:spLocks noGrp="1"/>
-          </p:cNvSpPr>
-          <p:nvPr>
-            <p:ph idx="1"/>
-          </p:nvPr>
-        </p:nvSpPr>
-        <p:spPr/>
-        <p:txBody>
-          <a:bodyPr/>
-          <a:lstStyle/>
-          <a:p>
-            <a:r>
-              <a:rPr lang="en-US" dirty="0"/>
-              <a:t>Install </a:t>
-            </a:r>
-            <a:r>
-              <a:rPr lang="en-US" dirty="0" err="1"/>
-              <a:t>Namp</a:t>
-            </a:r>
-            <a:r>
-              <a:rPr lang="en-US" dirty="0"/>
-              <a:t> and execute the following command:</a:t>
-            </a:r>
-          </a:p>
-          <a:p>
-            <a:pPr lvl="1"/>
-            <a:r>
-              <a:rPr lang="en-AU" dirty="0" err="1"/>
-              <a:t>nmap</a:t>
-            </a:r>
-            <a:r>
-              <a:rPr lang="en-AU" dirty="0"/>
-              <a:t> -T4 -</a:t>
-            </a:r>
-            <a:r>
-              <a:rPr lang="en-AU" dirty="0" err="1"/>
-              <a:t>Pn</a:t>
-            </a:r>
-            <a:r>
-              <a:rPr lang="en-AU" dirty="0"/>
-              <a:t> -F 192.168.56.50</a:t>
-            </a:r>
-          </a:p>
-          <a:p>
-            <a:pPr lvl="1"/>
-            <a:endParaRPr lang="en-AU" dirty="0"/>
+            <a:endParaRPr lang="en-AU" sz="3600"/>
           </a:p>
         </p:txBody>
       </p:sp>
@@ -3685,20 +4259,94 @@
         </p:nvPicPr>
         <p:blipFill>
           <a:blip r:embed="rId2"/>
-          <a:stretch>
-            <a:fillRect/>
-          </a:stretch>
+          <a:srcRect r="14572"/>
+          <a:stretch/>
         </p:blipFill>
         <p:spPr>
           <a:xfrm>
-            <a:off x="1570525" y="2779467"/>
-            <a:ext cx="8277225" cy="2143125"/>
+            <a:off x="20" y="10"/>
+            <a:ext cx="12191980" cy="3710603"/>
           </a:xfrm>
-          <a:prstGeom prst="rect">
+          <a:custGeom>
             <a:avLst/>
-          </a:prstGeom>
+            <a:gdLst/>
+            <a:ahLst/>
+            <a:cxnLst/>
+            <a:rect l="l" t="t" r="r" b="b"/>
+            <a:pathLst>
+              <a:path w="12192000" h="3692092">
+                <a:moveTo>
+                  <a:pt x="0" y="0"/>
+                </a:moveTo>
+                <a:lnTo>
+                  <a:pt x="12192000" y="0"/>
+                </a:lnTo>
+                <a:lnTo>
+                  <a:pt x="12192000" y="3504824"/>
+                </a:lnTo>
+                <a:lnTo>
+                  <a:pt x="12024691" y="3517794"/>
+                </a:lnTo>
+                <a:cubicBezTo>
+                  <a:pt x="8077523" y="3783195"/>
+                  <a:pt x="4094678" y="3026959"/>
+                  <a:pt x="160485" y="3663863"/>
+                </a:cubicBezTo>
+                <a:lnTo>
+                  <a:pt x="0" y="3692092"/>
+                </a:lnTo>
+                <a:close/>
+              </a:path>
+            </a:pathLst>
+          </a:custGeom>
         </p:spPr>
       </p:pic>
+      <p:sp>
+        <p:nvSpPr>
+          <p:cNvPr id="3" name="Content Placeholder 2">
+            <a:extLst>
+              <a:ext uri="{FF2B5EF4-FFF2-40B4-BE49-F238E27FC236}">
+                <a16:creationId xmlns:a16="http://schemas.microsoft.com/office/drawing/2014/main" id="{0F2E95FE-DFFA-CEF9-1949-CEFA6D39D708}"/>
+              </a:ext>
+            </a:extLst>
+          </p:cNvPr>
+          <p:cNvSpPr>
+            <a:spLocks noGrp="1"/>
+          </p:cNvSpPr>
+          <p:nvPr>
+            <p:ph idx="1"/>
+          </p:nvPr>
+        </p:nvSpPr>
+        <p:spPr>
+          <a:xfrm>
+            <a:off x="4223982" y="3752850"/>
+            <a:ext cx="7485413" cy="2452687"/>
+          </a:xfrm>
+        </p:spPr>
+        <p:txBody>
+          <a:bodyPr anchor="ctr">
+            <a:normAutofit/>
+          </a:bodyPr>
+          <a:lstStyle/>
+          <a:p>
+            <a:r>
+              <a:rPr lang="en-US" sz="1800"/>
+              <a:t>Install Namp and execute the following command:</a:t>
+            </a:r>
+          </a:p>
+          <a:p>
+            <a:pPr lvl="1"/>
+            <a:r>
+              <a:rPr lang="en-AU" sz="1800"/>
+              <a:t>nmap -T4 -Pn -F 192.168.56.50</a:t>
+            </a:r>
+          </a:p>
+          <a:p>
+            <a:pPr lvl="1"/>
+            <a:endParaRPr lang="en-AU" sz="1800"/>
+          </a:p>
+        </p:txBody>
+      </p:sp>
     </p:spTree>
     <p:extLst>
       <p:ext uri="{BB962C8B-B14F-4D97-AF65-F5344CB8AC3E}">
@@ -3715,6 +4363,14 @@
 <file path=ppt/slides/slide4.xml><?xml version="1.0" encoding="utf-8"?>
 <p:sld xmlns:a="http://schemas.openxmlformats.org/drawingml/2006/main" xmlns:r="http://schemas.openxmlformats.org/officeDocument/2006/relationships" xmlns:p="http://schemas.openxmlformats.org/presentationml/2006/main">
   <p:cSld>
+    <p:bg>
+      <p:bgPr>
+        <a:solidFill>
+          <a:schemeClr val="bg1"/>
+        </a:solidFill>
+        <a:effectLst/>
+      </p:bgPr>
+    </p:bg>
     <p:spTree>
       <p:nvGrpSpPr>
         <p:cNvPr id="1" name=""/>
@@ -3745,22 +4401,87 @@
             <p:ph type="title"/>
           </p:nvPr>
         </p:nvSpPr>
-        <p:spPr/>
-        <p:txBody>
-          <a:bodyPr/>
-          <a:lstStyle/>
-          <a:p>
-            <a:r>
-              <a:rPr lang="en-US" dirty="0"/>
+        <p:spPr>
+          <a:xfrm>
+            <a:off x="481013" y="3752849"/>
+            <a:ext cx="3290887" cy="2452687"/>
+          </a:xfrm>
+        </p:spPr>
+        <p:txBody>
+          <a:bodyPr anchor="ctr">
+            <a:normAutofit/>
+          </a:bodyPr>
+          <a:lstStyle/>
+          <a:p>
+            <a:r>
+              <a:rPr lang="en-US" sz="3600" dirty="0"/>
               <a:t>Scan using </a:t>
             </a:r>
             <a:r>
-              <a:rPr lang="en-AU" dirty="0"/>
+              <a:rPr lang="en-AU" sz="3600" dirty="0"/>
               <a:t>wafw00f</a:t>
             </a:r>
           </a:p>
         </p:txBody>
       </p:sp>
+      <p:pic>
+        <p:nvPicPr>
+          <p:cNvPr id="5" name="Picture 4">
+            <a:extLst>
+              <a:ext uri="{FF2B5EF4-FFF2-40B4-BE49-F238E27FC236}">
+                <a16:creationId xmlns:a16="http://schemas.microsoft.com/office/drawing/2014/main" id="{F538B506-8FBE-9C38-FAFD-2BE6D5B25239}"/>
+              </a:ext>
+            </a:extLst>
+          </p:cNvPr>
+          <p:cNvPicPr>
+            <a:picLocks noChangeAspect="1"/>
+          </p:cNvPicPr>
+          <p:nvPr/>
+        </p:nvPicPr>
+        <p:blipFill>
+          <a:blip r:embed="rId2"/>
+          <a:srcRect t="31607"/>
+          <a:stretch/>
+        </p:blipFill>
+        <p:spPr>
+          <a:xfrm>
+            <a:off x="20" y="10"/>
+            <a:ext cx="12191980" cy="3710603"/>
+          </a:xfrm>
+          <a:custGeom>
+            <a:avLst/>
+            <a:gdLst/>
+            <a:ahLst/>
+            <a:cxnLst/>
+            <a:rect l="l" t="t" r="r" b="b"/>
+            <a:pathLst>
+              <a:path w="12192000" h="3692092">
+                <a:moveTo>
+                  <a:pt x="0" y="0"/>
+                </a:moveTo>
+                <a:lnTo>
+                  <a:pt x="12192000" y="0"/>
+                </a:lnTo>
+                <a:lnTo>
+                  <a:pt x="12192000" y="3504824"/>
+                </a:lnTo>
+                <a:lnTo>
+                  <a:pt x="12024691" y="3517794"/>
+                </a:lnTo>
+                <a:cubicBezTo>
+                  <a:pt x="8077523" y="3783195"/>
+                  <a:pt x="4094678" y="3026959"/>
+                  <a:pt x="160485" y="3663863"/>
+                </a:cubicBezTo>
+                <a:lnTo>
+                  <a:pt x="0" y="3692092"/>
+                </a:lnTo>
+                <a:close/>
+              </a:path>
+            </a:pathLst>
+          </a:custGeom>
+        </p:spPr>
+      </p:pic>
       <p:sp>
         <p:nvSpPr>
           <p:cNvPr id="3" name="Content Placeholder 2">
@@ -3777,43 +4498,62 @@
             <p:ph idx="1"/>
           </p:nvPr>
         </p:nvSpPr>
-        <p:spPr/>
-        <p:txBody>
-          <a:bodyPr/>
-          <a:lstStyle/>
-          <a:p>
-            <a:r>
-              <a:rPr lang="en-US" dirty="0"/>
+        <p:spPr>
+          <a:xfrm>
+            <a:off x="4223982" y="3752850"/>
+            <a:ext cx="7485413" cy="2452687"/>
+          </a:xfrm>
+        </p:spPr>
+        <p:txBody>
+          <a:bodyPr anchor="ctr">
+            <a:normAutofit/>
+          </a:bodyPr>
+          <a:lstStyle/>
+          <a:p>
+            <a:r>
+              <a:rPr lang="en-US" sz="1800" dirty="0"/>
+              <a:t>Purpose: Find Firewalls using WAFW00F</a:t>
+            </a:r>
+          </a:p>
+          <a:p>
+            <a:r>
+              <a:rPr lang="en-US" sz="1800" dirty="0"/>
+              <a:t>Activity: Scan CQU university website: </a:t>
+            </a:r>
+          </a:p>
+          <a:p>
+            <a:r>
+              <a:rPr lang="en-US" sz="1800" dirty="0"/>
               <a:t>Install </a:t>
             </a:r>
             <a:r>
-              <a:rPr lang="en-AU" dirty="0"/>
+              <a:rPr lang="en-AU" sz="1800" dirty="0"/>
               <a:t>wafw00f:</a:t>
             </a:r>
           </a:p>
           <a:p>
             <a:pPr lvl="1"/>
             <a:r>
-              <a:rPr lang="en-AU" dirty="0"/>
+              <a:rPr lang="en-AU" sz="1800" dirty="0"/>
               <a:t>Pip install wafw00f</a:t>
             </a:r>
           </a:p>
           <a:p>
             <a:r>
-              <a:rPr lang="en-AU" dirty="0"/>
+              <a:rPr lang="en-AU" sz="1800" dirty="0"/>
               <a:t>Scan using wafw00f:</a:t>
             </a:r>
           </a:p>
           <a:p>
             <a:pPr lvl="1"/>
             <a:r>
-              <a:rPr lang="en-AU" dirty="0"/>
-              <a:t>Wafw00f 192.168.56.50</a:t>
+              <a:rPr lang="en-AU" sz="1800" dirty="0"/>
+              <a:t>Wafw00f   –a   https://www.cqu.edu.au/</a:t>
             </a:r>
           </a:p>
           <a:p>
             <a:pPr lvl="1"/>
-            <a:endParaRPr lang="en-AU" dirty="0"/>
+            <a:endParaRPr lang="en-AU" sz="1800" dirty="0"/>
           </a:p>
         </p:txBody>
       </p:sp>
@@ -3869,7 +4609,7 @@
           <a:lstStyle/>
           <a:p>
             <a:r>
-              <a:rPr lang="en-US" dirty="0"/>
+              <a:rPr lang="en-US"/>
               <a:t>Nessus Scan</a:t>
             </a:r>
             <a:endParaRPr lang="en-AU" dirty="0"/>
@@ -3898,24 +4638,25 @@
           <a:lstStyle/>
           <a:p>
             <a:r>
-              <a:rPr lang="en-US" dirty="0"/>
+              <a:rPr lang="en-US"/>
               <a:t>Setup Nessus Scan</a:t>
             </a:r>
           </a:p>
           <a:p>
+            <a:endParaRPr lang="en-AU"/>
+          </a:p>
+          <a:p>
+            <a:endParaRPr lang="en-AU"/>
+          </a:p>
+          <a:p>
+            <a:endParaRPr lang="en-AU"/>
+          </a:p>
+          <a:p>
+            <a:r>
+              <a:rPr lang="en-AU"/>
+              <a:t>Start Scanning</a:t>
+            </a:r>
             <a:endParaRPr lang="en-AU" dirty="0"/>
-          </a:p>
-          <a:p>
-            <a:endParaRPr lang="en-AU" dirty="0"/>
-          </a:p>
-          <a:p>
-            <a:endParaRPr lang="en-AU" dirty="0"/>
-          </a:p>
-          <a:p>
-            <a:r>
-              <a:rPr lang="en-AU" dirty="0"/>
-              <a:t>Start Scanning</a:t>
-            </a:r>
           </a:p>
         </p:txBody>
       </p:sp>
@@ -3995,6 +4736,14 @@
 <file path=ppt/slides/slide6.xml><?xml version="1.0" encoding="utf-8"?>
 <p:sld xmlns:a="http://schemas.openxmlformats.org/drawingml/2006/main" xmlns:r="http://schemas.openxmlformats.org/officeDocument/2006/relationships" xmlns:p="http://schemas.openxmlformats.org/presentationml/2006/main">
   <p:cSld>
+    <p:bg>
+      <p:bgPr>
+        <a:solidFill>
+          <a:schemeClr val="bg1"/>
+        </a:solidFill>
+        <a:effectLst/>
+      </p:bgPr>
+    </p:bg>
     <p:spTree>
       <p:nvGrpSpPr>
         <p:cNvPr id="1" name=""/>
@@ -4009,6 +4758,309 @@
           <a:chExt cx="0" cy="0"/>
         </a:xfrm>
       </p:grpSpPr>
+      <p:sp useBgFill="1">
+        <p:nvSpPr>
+          <p:cNvPr id="10" name="Rectangle 9">
+            <a:extLst>
+              <a:ext uri="{FF2B5EF4-FFF2-40B4-BE49-F238E27FC236}">
+                <a16:creationId xmlns:a16="http://schemas.microsoft.com/office/drawing/2014/main" id="{A8384FB5-9ADC-4DDC-881B-597D56F5B15D}"/>
+              </a:ext>
+              <a:ext uri="{C183D7F6-B498-43B3-948B-1728B52AA6E4}">
+                <adec:decorative xmlns:adec="http://schemas.microsoft.com/office/drawing/2017/decorative" val="1"/>
+              </a:ext>
+            </a:extLst>
+          </p:cNvPr>
+          <p:cNvSpPr>
+            <a:spLocks noGrp="1" noRot="1" noChangeAspect="1" noMove="1" noResize="1" noEditPoints="1" noAdjustHandles="1" noChangeArrowheads="1" noChangeShapeType="1" noTextEdit="1"/>
+          </p:cNvSpPr>
+          <p:nvPr>
+            <p:extLst>
+              <p:ext uri="{386F3935-93C4-4BCD-93E2-E3B085C9AB24}">
+                <p16:designElem xmlns:p16="http://schemas.microsoft.com/office/powerpoint/2015/main" val="1"/>
+              </p:ext>
+            </p:extLst>
+          </p:nvPr>
+        </p:nvSpPr>
+        <p:spPr>
+          <a:xfrm>
+            <a:off x="0" y="0"/>
+            <a:ext cx="12192000" cy="6858000"/>
+          </a:xfrm>
+          <a:prstGeom prst="rect">
+            <a:avLst/>
+          </a:prstGeom>
+          <a:ln w="12700" cap="flat" cmpd="sng" algn="ctr">
+            <a:noFill/>
+            <a:prstDash val="solid"/>
+            <a:miter lim="800000"/>
+          </a:ln>
+          <a:effectLst/>
+          <a:extLst>
+            <a:ext uri="{91240B29-F687-4F45-9708-019B960494DF}">
+              <a14:hiddenLine xmlns:a14="http://schemas.microsoft.com/office/drawing/2010/main" w="12700" cap="flat" cmpd="sng" algn="ctr">
+                <a:solidFill>
+                  <a:schemeClr val="accent1">
+                    <a:shade val="50000"/>
+                  </a:schemeClr>
+                </a:solidFill>
+                <a:prstDash val="solid"/>
+                <a:miter lim="800000"/>
+              </a14:hiddenLine>
+            </a:ext>
+          </a:extLst>
+        </p:spPr>
+        <p:style>
+          <a:lnRef idx="2">
+            <a:schemeClr val="accent1">
+              <a:shade val="50000"/>
+            </a:schemeClr>
+          </a:lnRef>
+          <a:fillRef idx="1">
+            <a:schemeClr val="accent1"/>
+          </a:fillRef>
+          <a:effectRef idx="0">
+            <a:schemeClr val="accent1"/>
+          </a:effectRef>
+          <a:fontRef idx="minor">
+            <a:schemeClr val="lt1"/>
+          </a:fontRef>
+        </p:style>
+        <p:txBody>
+          <a:bodyPr rtlCol="0" anchor="ctr"/>
+          <a:lstStyle/>
+          <a:p>
+            <a:pPr algn="ctr"/>
+            <a:endParaRPr lang="en-US"/>
+          </a:p>
+        </p:txBody>
+      </p:sp>
+      <p:sp>
+        <p:nvSpPr>
+          <p:cNvPr id="12" name="Rectangle 11">
+            <a:extLst>
+              <a:ext uri="{FF2B5EF4-FFF2-40B4-BE49-F238E27FC236}">
+                <a16:creationId xmlns:a16="http://schemas.microsoft.com/office/drawing/2014/main" id="{1199E1B1-A8C0-4FE8-A5A8-1CB41D69F857}"/>
+              </a:ext>
+              <a:ext uri="{C183D7F6-B498-43B3-948B-1728B52AA6E4}">
+                <adec:decorative xmlns:adec="http://schemas.microsoft.com/office/drawing/2017/decorative" val="1"/>
+              </a:ext>
+            </a:extLst>
+          </p:cNvPr>
+          <p:cNvSpPr>
+            <a:spLocks noGrp="1" noRot="1" noChangeAspect="1" noMove="1" noResize="1" noEditPoints="1" noAdjustHandles="1" noChangeArrowheads="1" noChangeShapeType="1" noTextEdit="1"/>
+          </p:cNvSpPr>
+          <p:nvPr>
+            <p:extLst>
+              <p:ext uri="{386F3935-93C4-4BCD-93E2-E3B085C9AB24}">
+                <p16:designElem xmlns:p16="http://schemas.microsoft.com/office/powerpoint/2015/main" val="1"/>
+              </p:ext>
+            </p:extLst>
+          </p:nvPr>
+        </p:nvSpPr>
+        <p:spPr>
+          <a:xfrm rot="10800000" flipH="1">
+            <a:off x="2" y="0"/>
+            <a:ext cx="12191998" cy="1575955"/>
+          </a:xfrm>
+          <a:prstGeom prst="rect">
+            <a:avLst/>
+          </a:prstGeom>
+          <a:gradFill>
+            <a:gsLst>
+              <a:gs pos="0">
+                <a:srgbClr val="000000">
+                  <a:alpha val="96000"/>
+                </a:srgbClr>
+              </a:gs>
+              <a:gs pos="100000">
+                <a:schemeClr val="accent1">
+                  <a:lumMod val="75000"/>
+                </a:schemeClr>
+              </a:gs>
+            </a:gsLst>
+            <a:lin ang="6000000" scaled="0"/>
+          </a:gradFill>
+          <a:ln>
+            <a:noFill/>
+          </a:ln>
+        </p:spPr>
+        <p:style>
+          <a:lnRef idx="2">
+            <a:schemeClr val="accent1">
+              <a:shade val="50000"/>
+            </a:schemeClr>
+          </a:lnRef>
+          <a:fillRef idx="1">
+            <a:schemeClr val="accent1"/>
+          </a:fillRef>
+          <a:effectRef idx="0">
+            <a:schemeClr val="accent1"/>
+          </a:effectRef>
+          <a:fontRef idx="minor">
+            <a:schemeClr val="lt1"/>
+          </a:fontRef>
+        </p:style>
+        <p:txBody>
+          <a:bodyPr rtlCol="0" anchor="ctr"/>
+          <a:lstStyle/>
+          <a:p>
+            <a:pPr algn="ctr"/>
+            <a:endParaRPr lang="en-US"/>
+          </a:p>
+        </p:txBody>
+      </p:sp>
+      <p:sp>
+        <p:nvSpPr>
+          <p:cNvPr id="14" name="Rectangle 13">
+            <a:extLst>
+              <a:ext uri="{FF2B5EF4-FFF2-40B4-BE49-F238E27FC236}">
+                <a16:creationId xmlns:a16="http://schemas.microsoft.com/office/drawing/2014/main" id="{84A8DE83-DE75-4B41-9DB4-A7EC0B0DEC0B}"/>
+              </a:ext>
+              <a:ext uri="{C183D7F6-B498-43B3-948B-1728B52AA6E4}">
+                <adec:decorative xmlns:adec="http://schemas.microsoft.com/office/drawing/2017/decorative" val="1"/>
+              </a:ext>
+            </a:extLst>
+          </p:cNvPr>
+          <p:cNvSpPr>
+            <a:spLocks noGrp="1" noRot="1" noChangeAspect="1" noMove="1" noResize="1" noEditPoints="1" noAdjustHandles="1" noChangeArrowheads="1" noChangeShapeType="1" noTextEdit="1"/>
+          </p:cNvSpPr>
+          <p:nvPr>
+            <p:extLst>
+              <p:ext uri="{386F3935-93C4-4BCD-93E2-E3B085C9AB24}">
+                <p16:designElem xmlns:p16="http://schemas.microsoft.com/office/powerpoint/2015/main" val="1"/>
+              </p:ext>
+            </p:extLst>
+          </p:nvPr>
+        </p:nvSpPr>
+        <p:spPr>
+          <a:xfrm>
+            <a:off x="0" y="0"/>
+            <a:ext cx="8128856" cy="1575461"/>
+          </a:xfrm>
+          <a:prstGeom prst="rect">
+            <a:avLst/>
+          </a:prstGeom>
+          <a:gradFill>
+            <a:gsLst>
+              <a:gs pos="0">
+                <a:schemeClr val="accent1">
+                  <a:alpha val="41000"/>
+                </a:schemeClr>
+              </a:gs>
+              <a:gs pos="74000">
+                <a:schemeClr val="accent1">
+                  <a:lumMod val="60000"/>
+                  <a:lumOff val="40000"/>
+                  <a:alpha val="0"/>
+                </a:schemeClr>
+              </a:gs>
+            </a:gsLst>
+            <a:lin ang="8400000" scaled="0"/>
+          </a:gradFill>
+          <a:ln>
+            <a:noFill/>
+          </a:ln>
+        </p:spPr>
+        <p:style>
+          <a:lnRef idx="2">
+            <a:schemeClr val="accent1">
+              <a:shade val="50000"/>
+            </a:schemeClr>
+          </a:lnRef>
+          <a:fillRef idx="1">
+            <a:schemeClr val="accent1"/>
+          </a:fillRef>
+          <a:effectRef idx="0">
+            <a:schemeClr val="accent1"/>
+          </a:effectRef>
+          <a:fontRef idx="minor">
+            <a:schemeClr val="lt1"/>
+          </a:fontRef>
+        </p:style>
+        <p:txBody>
+          <a:bodyPr rtlCol="0" anchor="ctr"/>
+          <a:lstStyle/>
+          <a:p>
+            <a:pPr algn="ctr"/>
+            <a:endParaRPr lang="en-US"/>
+          </a:p>
+        </p:txBody>
+      </p:sp>
+      <p:sp>
+        <p:nvSpPr>
+          <p:cNvPr id="16" name="Rectangle 15">
+            <a:extLst>
+              <a:ext uri="{FF2B5EF4-FFF2-40B4-BE49-F238E27FC236}">
+                <a16:creationId xmlns:a16="http://schemas.microsoft.com/office/drawing/2014/main" id="{A7009A0A-BEF5-4EAC-AF15-E4F9F002E239}"/>
+              </a:ext>
+              <a:ext uri="{C183D7F6-B498-43B3-948B-1728B52AA6E4}">
+                <adec:decorative xmlns:adec="http://schemas.microsoft.com/office/drawing/2017/decorative" val="1"/>
+              </a:ext>
+            </a:extLst>
+          </p:cNvPr>
+          <p:cNvSpPr>
+            <a:spLocks noGrp="1" noRot="1" noChangeAspect="1" noMove="1" noResize="1" noEditPoints="1" noAdjustHandles="1" noChangeArrowheads="1" noChangeShapeType="1" noTextEdit="1"/>
+          </p:cNvSpPr>
+          <p:nvPr>
+            <p:extLst>
+              <p:ext uri="{386F3935-93C4-4BCD-93E2-E3B085C9AB24}">
+                <p16:designElem xmlns:p16="http://schemas.microsoft.com/office/powerpoint/2015/main" val="1"/>
+              </p:ext>
+            </p:extLst>
+          </p:nvPr>
+        </p:nvSpPr>
+        <p:spPr>
+          <a:xfrm flipH="1">
+            <a:off x="-3" y="-1"/>
+            <a:ext cx="12192002" cy="1574311"/>
+          </a:xfrm>
+          <a:prstGeom prst="rect">
+            <a:avLst/>
+          </a:prstGeom>
+          <a:gradFill>
+            <a:gsLst>
+              <a:gs pos="0">
+                <a:srgbClr val="000000">
+                  <a:alpha val="63000"/>
+                </a:srgbClr>
+              </a:gs>
+              <a:gs pos="78000">
+                <a:schemeClr val="accent1">
+                  <a:alpha val="15000"/>
+                </a:schemeClr>
+              </a:gs>
+            </a:gsLst>
+            <a:lin ang="15600000" scaled="0"/>
+          </a:gradFill>
+          <a:ln>
+            <a:noFill/>
+          </a:ln>
+        </p:spPr>
+        <p:style>
+          <a:lnRef idx="2">
+            <a:schemeClr val="accent1">
+              <a:shade val="50000"/>
+            </a:schemeClr>
+          </a:lnRef>
+          <a:fillRef idx="1">
+            <a:schemeClr val="accent1"/>
+          </a:fillRef>
+          <a:effectRef idx="0">
+            <a:schemeClr val="accent1"/>
+          </a:effectRef>
+          <a:fontRef idx="minor">
+            <a:schemeClr val="lt1"/>
+          </a:fontRef>
+        </p:style>
+        <p:txBody>
+          <a:bodyPr rtlCol="0" anchor="ctr"/>
+          <a:lstStyle/>
+          <a:p>
+            <a:pPr algn="ctr"/>
+            <a:endParaRPr lang="en-US"/>
+          </a:p>
+        </p:txBody>
+      </p:sp>
       <p:sp>
         <p:nvSpPr>
           <p:cNvPr id="2" name="Title 1">
@@ -4025,16 +5077,29 @@
             <p:ph type="title"/>
           </p:nvPr>
         </p:nvSpPr>
-        <p:spPr/>
-        <p:txBody>
-          <a:bodyPr/>
-          <a:lstStyle/>
-          <a:p>
-            <a:r>
-              <a:rPr lang="en-US" dirty="0"/>
+        <p:spPr>
+          <a:xfrm>
+            <a:off x="699713" y="248038"/>
+            <a:ext cx="7063721" cy="1159200"/>
+          </a:xfrm>
+        </p:spPr>
+        <p:txBody>
+          <a:bodyPr vert="horz" lIns="91440" tIns="45720" rIns="91440" bIns="45720" rtlCol="0" anchor="ctr">
+            <a:normAutofit/>
+          </a:bodyPr>
+          <a:lstStyle/>
+          <a:p>
+            <a:r>
+              <a:rPr lang="en-US" sz="4000" kern="1200">
+                <a:solidFill>
+                  <a:srgbClr val="FFFFFF"/>
+                </a:solidFill>
+                <a:latin typeface="+mj-lt"/>
+                <a:ea typeface="+mj-ea"/>
+                <a:cs typeface="+mj-cs"/>
+              </a:rPr>
               <a:t>Nessus Scan – Report generation </a:t>
             </a:r>
-            <a:endParaRPr lang="en-AU" dirty="0"/>
           </a:p>
         </p:txBody>
       </p:sp>
@@ -4060,8 +5125,1115 @@
         </p:blipFill>
         <p:spPr>
           <a:xfrm>
-            <a:off x="158260" y="1690688"/>
-            <a:ext cx="12302577" cy="5007824"/>
+            <a:off x="458129" y="1822348"/>
+            <a:ext cx="10925544" cy="4452160"/>
+          </a:xfrm>
+          <a:prstGeom prst="rect">
+            <a:avLst/>
+          </a:prstGeom>
+        </p:spPr>
+      </p:pic>
+      <p:sp>
+        <p:nvSpPr>
+          <p:cNvPr id="3" name="TextBox 2">
+            <a:extLst>
+              <a:ext uri="{FF2B5EF4-FFF2-40B4-BE49-F238E27FC236}">
+                <a16:creationId xmlns:a16="http://schemas.microsoft.com/office/drawing/2014/main" id="{E9AAE462-5D15-1BCE-E941-4D0BF722DD9F}"/>
+              </a:ext>
+            </a:extLst>
+          </p:cNvPr>
+          <p:cNvSpPr txBox="1"/>
+          <p:nvPr/>
+        </p:nvSpPr>
+        <p:spPr>
+          <a:xfrm rot="19875723">
+            <a:off x="2315182" y="4585794"/>
+            <a:ext cx="4422843" cy="677108"/>
+          </a:xfrm>
+          <a:prstGeom prst="rect">
+            <a:avLst/>
+          </a:prstGeom>
+          <a:noFill/>
+        </p:spPr>
+        <p:txBody>
+          <a:bodyPr wrap="square" rtlCol="0">
+            <a:spAutoFit/>
+          </a:bodyPr>
+          <a:lstStyle/>
+          <a:p>
+            <a:r>
+              <a:rPr lang="en-US" sz="2000" b="1" dirty="0">
+                <a:solidFill>
+                  <a:srgbClr val="FF0000"/>
+                </a:solidFill>
+              </a:rPr>
+              <a:t>Note: </a:t>
+            </a:r>
+            <a:r>
+              <a:rPr lang="en-US" dirty="0">
+                <a:solidFill>
+                  <a:srgbClr val="FF0000"/>
+                </a:solidFill>
+              </a:rPr>
+              <a:t>The report is included in Week7 Activities</a:t>
+            </a:r>
+            <a:endParaRPr lang="en-AU" dirty="0">
+              <a:solidFill>
+                <a:srgbClr val="FF0000"/>
+              </a:solidFill>
+            </a:endParaRPr>
+          </a:p>
+        </p:txBody>
+      </p:sp>
+    </p:spTree>
+    <p:extLst>
+      <p:ext uri="{BB962C8B-B14F-4D97-AF65-F5344CB8AC3E}">
+        <p14:creationId xmlns:p14="http://schemas.microsoft.com/office/powerpoint/2010/main" val="2185764903"/>
+      </p:ext>
+    </p:extLst>
+  </p:cSld>
+  <p:clrMapOvr>
+    <a:masterClrMapping/>
+  </p:clrMapOvr>
+</p:sld>
+</file>
+
+<file path=ppt/slides/slide7.xml><?xml version="1.0" encoding="utf-8"?>
+<p:sld xmlns:a="http://schemas.openxmlformats.org/drawingml/2006/main" xmlns:r="http://schemas.openxmlformats.org/officeDocument/2006/relationships" xmlns:p="http://schemas.openxmlformats.org/presentationml/2006/main">
+  <p:cSld>
+    <p:bg>
+      <p:bgPr>
+        <a:solidFill>
+          <a:schemeClr val="bg1"/>
+        </a:solidFill>
+        <a:effectLst/>
+      </p:bgPr>
+    </p:bg>
+    <p:spTree>
+      <p:nvGrpSpPr>
+        <p:cNvPr id="1" name=""/>
+        <p:cNvGrpSpPr/>
+        <p:nvPr/>
+      </p:nvGrpSpPr>
+      <p:grpSpPr>
+        <a:xfrm>
+          <a:off x="0" y="0"/>
+          <a:ext cx="0" cy="0"/>
+          <a:chOff x="0" y="0"/>
+          <a:chExt cx="0" cy="0"/>
+        </a:xfrm>
+      </p:grpSpPr>
+      <p:sp useBgFill="1">
+        <p:nvSpPr>
+          <p:cNvPr id="8" name="Rectangle 7">
+            <a:extLst>
+              <a:ext uri="{FF2B5EF4-FFF2-40B4-BE49-F238E27FC236}">
+                <a16:creationId xmlns:a16="http://schemas.microsoft.com/office/drawing/2014/main" id="{1B15ED52-F352-441B-82BF-E0EA34836D08}"/>
+              </a:ext>
+              <a:ext uri="{C183D7F6-B498-43B3-948B-1728B52AA6E4}">
+                <adec:decorative xmlns:adec="http://schemas.microsoft.com/office/drawing/2017/decorative" val="1"/>
+              </a:ext>
+            </a:extLst>
+          </p:cNvPr>
+          <p:cNvSpPr>
+            <a:spLocks noGrp="1" noRot="1" noChangeAspect="1" noMove="1" noResize="1" noEditPoints="1" noAdjustHandles="1" noChangeArrowheads="1" noChangeShapeType="1" noTextEdit="1"/>
+          </p:cNvSpPr>
+          <p:nvPr>
+            <p:extLst>
+              <p:ext uri="{386F3935-93C4-4BCD-93E2-E3B085C9AB24}">
+                <p16:designElem xmlns:p16="http://schemas.microsoft.com/office/powerpoint/2015/main" val="1"/>
+              </p:ext>
+            </p:extLst>
+          </p:nvPr>
+        </p:nvSpPr>
+        <p:spPr>
+          <a:xfrm>
+            <a:off x="0" y="0"/>
+            <a:ext cx="12192000" cy="6858000"/>
+          </a:xfrm>
+          <a:prstGeom prst="rect">
+            <a:avLst/>
+          </a:prstGeom>
+          <a:ln w="12700" cap="flat" cmpd="sng" algn="ctr">
+            <a:noFill/>
+            <a:prstDash val="solid"/>
+            <a:miter lim="800000"/>
+          </a:ln>
+          <a:effectLst/>
+          <a:extLst>
+            <a:ext uri="{91240B29-F687-4F45-9708-019B960494DF}">
+              <a14:hiddenLine xmlns:a14="http://schemas.microsoft.com/office/drawing/2010/main" w="12700" cap="flat" cmpd="sng" algn="ctr">
+                <a:solidFill>
+                  <a:schemeClr val="accent1">
+                    <a:shade val="50000"/>
+                  </a:schemeClr>
+                </a:solidFill>
+                <a:prstDash val="solid"/>
+                <a:miter lim="800000"/>
+              </a14:hiddenLine>
+            </a:ext>
+          </a:extLst>
+        </p:spPr>
+        <p:style>
+          <a:lnRef idx="2">
+            <a:schemeClr val="accent1">
+              <a:shade val="50000"/>
+            </a:schemeClr>
+          </a:lnRef>
+          <a:fillRef idx="1">
+            <a:schemeClr val="accent1"/>
+          </a:fillRef>
+          <a:effectRef idx="0">
+            <a:schemeClr val="accent1"/>
+          </a:effectRef>
+          <a:fontRef idx="minor">
+            <a:schemeClr val="lt1"/>
+          </a:fontRef>
+        </p:style>
+        <p:txBody>
+          <a:bodyPr rtlCol="0" anchor="ctr"/>
+          <a:lstStyle/>
+          <a:p>
+            <a:pPr algn="ctr"/>
+            <a:endParaRPr lang="en-US"/>
+          </a:p>
+        </p:txBody>
+      </p:sp>
+      <p:sp>
+        <p:nvSpPr>
+          <p:cNvPr id="10" name="Rectangle 9">
+            <a:extLst>
+              <a:ext uri="{FF2B5EF4-FFF2-40B4-BE49-F238E27FC236}">
+                <a16:creationId xmlns:a16="http://schemas.microsoft.com/office/drawing/2014/main" id="{3B2E3793-BFE6-45A2-9B7B-E18844431C99}"/>
+              </a:ext>
+              <a:ext uri="{C183D7F6-B498-43B3-948B-1728B52AA6E4}">
+                <adec:decorative xmlns:adec="http://schemas.microsoft.com/office/drawing/2017/decorative" val="1"/>
+              </a:ext>
+            </a:extLst>
+          </p:cNvPr>
+          <p:cNvSpPr>
+            <a:spLocks noGrp="1" noRot="1" noChangeAspect="1" noMove="1" noResize="1" noEditPoints="1" noAdjustHandles="1" noChangeArrowheads="1" noChangeShapeType="1" noTextEdit="1"/>
+          </p:cNvSpPr>
+          <p:nvPr>
+            <p:extLst>
+              <p:ext uri="{386F3935-93C4-4BCD-93E2-E3B085C9AB24}">
+                <p16:designElem xmlns:p16="http://schemas.microsoft.com/office/powerpoint/2015/main" val="1"/>
+              </p:ext>
+            </p:extLst>
+          </p:nvPr>
+        </p:nvSpPr>
+        <p:spPr>
+          <a:xfrm flipH="1">
+            <a:off x="-1" y="-1"/>
+            <a:ext cx="12191998" cy="1590742"/>
+          </a:xfrm>
+          <a:prstGeom prst="rect">
+            <a:avLst/>
+          </a:prstGeom>
+          <a:gradFill>
+            <a:gsLst>
+              <a:gs pos="0">
+                <a:srgbClr val="000000"/>
+              </a:gs>
+              <a:gs pos="100000">
+                <a:schemeClr val="accent1">
+                  <a:lumMod val="75000"/>
+                </a:schemeClr>
+              </a:gs>
+            </a:gsLst>
+            <a:lin ang="8400000" scaled="0"/>
+          </a:gradFill>
+          <a:ln>
+            <a:noFill/>
+          </a:ln>
+        </p:spPr>
+        <p:style>
+          <a:lnRef idx="2">
+            <a:schemeClr val="accent1">
+              <a:shade val="50000"/>
+            </a:schemeClr>
+          </a:lnRef>
+          <a:fillRef idx="1">
+            <a:schemeClr val="accent1"/>
+          </a:fillRef>
+          <a:effectRef idx="0">
+            <a:schemeClr val="accent1"/>
+          </a:effectRef>
+          <a:fontRef idx="minor">
+            <a:schemeClr val="lt1"/>
+          </a:fontRef>
+        </p:style>
+        <p:txBody>
+          <a:bodyPr rtlCol="0" anchor="ctr"/>
+          <a:lstStyle/>
+          <a:p>
+            <a:pPr algn="ctr"/>
+            <a:endParaRPr lang="en-US"/>
+          </a:p>
+        </p:txBody>
+      </p:sp>
+      <p:sp>
+        <p:nvSpPr>
+          <p:cNvPr id="12" name="Rectangle 11">
+            <a:extLst>
+              <a:ext uri="{FF2B5EF4-FFF2-40B4-BE49-F238E27FC236}">
+                <a16:creationId xmlns:a16="http://schemas.microsoft.com/office/drawing/2014/main" id="{BC4C4868-CB8F-4AF9-9CDB-8108F2C19B67}"/>
+              </a:ext>
+              <a:ext uri="{C183D7F6-B498-43B3-948B-1728B52AA6E4}">
+                <adec:decorative xmlns:adec="http://schemas.microsoft.com/office/drawing/2017/decorative" val="1"/>
+              </a:ext>
+            </a:extLst>
+          </p:cNvPr>
+          <p:cNvSpPr>
+            <a:spLocks noGrp="1" noRot="1" noChangeAspect="1" noMove="1" noResize="1" noEditPoints="1" noAdjustHandles="1" noChangeArrowheads="1" noChangeShapeType="1" noTextEdit="1"/>
+          </p:cNvSpPr>
+          <p:nvPr>
+            <p:extLst>
+              <p:ext uri="{386F3935-93C4-4BCD-93E2-E3B085C9AB24}">
+                <p16:designElem xmlns:p16="http://schemas.microsoft.com/office/powerpoint/2015/main" val="1"/>
+              </p:ext>
+            </p:extLst>
+          </p:nvPr>
+        </p:nvSpPr>
+        <p:spPr>
+          <a:xfrm rot="10800000" flipH="1">
+            <a:off x="-3" y="0"/>
+            <a:ext cx="8115306" cy="1590742"/>
+          </a:xfrm>
+          <a:prstGeom prst="rect">
+            <a:avLst/>
+          </a:prstGeom>
+          <a:gradFill>
+            <a:gsLst>
+              <a:gs pos="20000">
+                <a:schemeClr val="accent1">
+                  <a:alpha val="0"/>
+                </a:schemeClr>
+              </a:gs>
+              <a:gs pos="100000">
+                <a:schemeClr val="accent1">
+                  <a:lumMod val="50000"/>
+                  <a:alpha val="55000"/>
+                </a:schemeClr>
+              </a:gs>
+            </a:gsLst>
+            <a:lin ang="13800000" scaled="0"/>
+          </a:gradFill>
+          <a:ln>
+            <a:noFill/>
+          </a:ln>
+        </p:spPr>
+        <p:style>
+          <a:lnRef idx="2">
+            <a:schemeClr val="accent1">
+              <a:shade val="50000"/>
+            </a:schemeClr>
+          </a:lnRef>
+          <a:fillRef idx="1">
+            <a:schemeClr val="accent1"/>
+          </a:fillRef>
+          <a:effectRef idx="0">
+            <a:schemeClr val="accent1"/>
+          </a:effectRef>
+          <a:fontRef idx="minor">
+            <a:schemeClr val="lt1"/>
+          </a:fontRef>
+        </p:style>
+        <p:txBody>
+          <a:bodyPr rtlCol="0" anchor="ctr"/>
+          <a:lstStyle/>
+          <a:p>
+            <a:pPr algn="ctr"/>
+            <a:endParaRPr lang="en-US"/>
+          </a:p>
+        </p:txBody>
+      </p:sp>
+      <p:sp>
+        <p:nvSpPr>
+          <p:cNvPr id="14" name="Rectangle 13">
+            <a:extLst>
+              <a:ext uri="{FF2B5EF4-FFF2-40B4-BE49-F238E27FC236}">
+                <a16:creationId xmlns:a16="http://schemas.microsoft.com/office/drawing/2014/main" id="{375E0459-6403-40CD-989D-56A4407CA12E}"/>
+              </a:ext>
+              <a:ext uri="{C183D7F6-B498-43B3-948B-1728B52AA6E4}">
+                <adec:decorative xmlns:adec="http://schemas.microsoft.com/office/drawing/2017/decorative" val="1"/>
+              </a:ext>
+            </a:extLst>
+          </p:cNvPr>
+          <p:cNvSpPr>
+            <a:spLocks noGrp="1" noRot="1" noChangeAspect="1" noMove="1" noResize="1" noEditPoints="1" noAdjustHandles="1" noChangeArrowheads="1" noChangeShapeType="1" noTextEdit="1"/>
+          </p:cNvSpPr>
+          <p:nvPr>
+            <p:extLst>
+              <p:ext uri="{386F3935-93C4-4BCD-93E2-E3B085C9AB24}">
+                <p16:designElem xmlns:p16="http://schemas.microsoft.com/office/powerpoint/2015/main" val="1"/>
+              </p:ext>
+            </p:extLst>
+          </p:nvPr>
+        </p:nvSpPr>
+        <p:spPr>
+          <a:xfrm flipH="1">
+            <a:off x="8115299" y="-1"/>
+            <a:ext cx="4076698" cy="1590742"/>
+          </a:xfrm>
+          <a:prstGeom prst="rect">
+            <a:avLst/>
+          </a:prstGeom>
+          <a:gradFill>
+            <a:gsLst>
+              <a:gs pos="0">
+                <a:schemeClr val="accent1">
+                  <a:alpha val="66000"/>
+                </a:schemeClr>
+              </a:gs>
+              <a:gs pos="100000">
+                <a:srgbClr val="000000">
+                  <a:alpha val="30000"/>
+                </a:srgbClr>
+              </a:gs>
+            </a:gsLst>
+            <a:lin ang="13200000" scaled="0"/>
+          </a:gradFill>
+          <a:ln>
+            <a:noFill/>
+          </a:ln>
+        </p:spPr>
+        <p:style>
+          <a:lnRef idx="2">
+            <a:schemeClr val="accent1">
+              <a:shade val="50000"/>
+            </a:schemeClr>
+          </a:lnRef>
+          <a:fillRef idx="1">
+            <a:schemeClr val="accent1"/>
+          </a:fillRef>
+          <a:effectRef idx="0">
+            <a:schemeClr val="accent1"/>
+          </a:effectRef>
+          <a:fontRef idx="minor">
+            <a:schemeClr val="lt1"/>
+          </a:fontRef>
+        </p:style>
+        <p:txBody>
+          <a:bodyPr rtlCol="0" anchor="ctr"/>
+          <a:lstStyle/>
+          <a:p>
+            <a:pPr algn="ctr"/>
+            <a:endParaRPr lang="en-US"/>
+          </a:p>
+        </p:txBody>
+      </p:sp>
+      <p:sp>
+        <p:nvSpPr>
+          <p:cNvPr id="16" name="Rectangle 15">
+            <a:extLst>
+              <a:ext uri="{FF2B5EF4-FFF2-40B4-BE49-F238E27FC236}">
+                <a16:creationId xmlns:a16="http://schemas.microsoft.com/office/drawing/2014/main" id="{53E5B1A8-3AC9-4BD1-9BBC-78CA94F2D1BA}"/>
+              </a:ext>
+              <a:ext uri="{C183D7F6-B498-43B3-948B-1728B52AA6E4}">
+                <adec:decorative xmlns:adec="http://schemas.microsoft.com/office/drawing/2017/decorative" val="1"/>
+              </a:ext>
+            </a:extLst>
+          </p:cNvPr>
+          <p:cNvSpPr>
+            <a:spLocks noGrp="1" noRot="1" noChangeAspect="1" noMove="1" noResize="1" noEditPoints="1" noAdjustHandles="1" noChangeArrowheads="1" noChangeShapeType="1" noTextEdit="1"/>
+          </p:cNvSpPr>
+          <p:nvPr>
+            <p:extLst>
+              <p:ext uri="{386F3935-93C4-4BCD-93E2-E3B085C9AB24}">
+                <p16:designElem xmlns:p16="http://schemas.microsoft.com/office/powerpoint/2015/main" val="1"/>
+              </p:ext>
+            </p:extLst>
+          </p:nvPr>
+        </p:nvSpPr>
+        <p:spPr>
+          <a:xfrm>
+            <a:off x="459350" y="-1"/>
+            <a:ext cx="11732646" cy="1597433"/>
+          </a:xfrm>
+          <a:prstGeom prst="rect">
+            <a:avLst/>
+          </a:prstGeom>
+          <a:gradFill>
+            <a:gsLst>
+              <a:gs pos="50000">
+                <a:srgbClr val="000000">
+                  <a:alpha val="0"/>
+                </a:srgbClr>
+              </a:gs>
+              <a:gs pos="99000">
+                <a:schemeClr val="accent1">
+                  <a:lumMod val="50000"/>
+                  <a:alpha val="52000"/>
+                </a:schemeClr>
+              </a:gs>
+            </a:gsLst>
+            <a:lin ang="16800000" scaled="0"/>
+          </a:gradFill>
+          <a:ln>
+            <a:noFill/>
+          </a:ln>
+        </p:spPr>
+        <p:style>
+          <a:lnRef idx="2">
+            <a:schemeClr val="accent1">
+              <a:shade val="50000"/>
+            </a:schemeClr>
+          </a:lnRef>
+          <a:fillRef idx="1">
+            <a:schemeClr val="accent1"/>
+          </a:fillRef>
+          <a:effectRef idx="0">
+            <a:schemeClr val="accent1"/>
+          </a:effectRef>
+          <a:fontRef idx="minor">
+            <a:schemeClr val="lt1"/>
+          </a:fontRef>
+        </p:style>
+        <p:txBody>
+          <a:bodyPr rtlCol="0" anchor="ctr"/>
+          <a:lstStyle/>
+          <a:p>
+            <a:pPr algn="ctr"/>
+            <a:endParaRPr lang="en-US"/>
+          </a:p>
+        </p:txBody>
+      </p:sp>
+      <p:sp>
+        <p:nvSpPr>
+          <p:cNvPr id="2" name="Title 1">
+            <a:extLst>
+              <a:ext uri="{FF2B5EF4-FFF2-40B4-BE49-F238E27FC236}">
+                <a16:creationId xmlns:a16="http://schemas.microsoft.com/office/drawing/2014/main" id="{7B84ACF9-AD7B-D757-E45D-3399C694AE80}"/>
+              </a:ext>
+            </a:extLst>
+          </p:cNvPr>
+          <p:cNvSpPr>
+            <a:spLocks noGrp="1"/>
+          </p:cNvSpPr>
+          <p:nvPr>
+            <p:ph type="title"/>
+          </p:nvPr>
+        </p:nvSpPr>
+        <p:spPr>
+          <a:xfrm>
+            <a:off x="1371599" y="294538"/>
+            <a:ext cx="9895951" cy="1033669"/>
+          </a:xfrm>
+        </p:spPr>
+        <p:txBody>
+          <a:bodyPr>
+            <a:normAutofit/>
+          </a:bodyPr>
+          <a:lstStyle/>
+          <a:p>
+            <a:r>
+              <a:rPr lang="en-US" sz="4000">
+                <a:solidFill>
+                  <a:srgbClr val="FFFFFF"/>
+                </a:solidFill>
+              </a:rPr>
+              <a:t>Week 6 – Weekly Handout </a:t>
+            </a:r>
+            <a:endParaRPr lang="en-AU" sz="4000">
+              <a:solidFill>
+                <a:srgbClr val="FFFFFF"/>
+              </a:solidFill>
+            </a:endParaRPr>
+          </a:p>
+        </p:txBody>
+      </p:sp>
+      <p:sp>
+        <p:nvSpPr>
+          <p:cNvPr id="3" name="Content Placeholder 2">
+            <a:extLst>
+              <a:ext uri="{FF2B5EF4-FFF2-40B4-BE49-F238E27FC236}">
+                <a16:creationId xmlns:a16="http://schemas.microsoft.com/office/drawing/2014/main" id="{F0FE02FF-3CA8-0DAF-3E12-6F35736B42A8}"/>
+              </a:ext>
+            </a:extLst>
+          </p:cNvPr>
+          <p:cNvSpPr>
+            <a:spLocks noGrp="1"/>
+          </p:cNvSpPr>
+          <p:nvPr>
+            <p:ph idx="1"/>
+          </p:nvPr>
+        </p:nvSpPr>
+        <p:spPr>
+          <a:xfrm>
+            <a:off x="1371599" y="2318197"/>
+            <a:ext cx="9724031" cy="3683358"/>
+          </a:xfrm>
+        </p:spPr>
+        <p:txBody>
+          <a:bodyPr anchor="ctr">
+            <a:normAutofit/>
+          </a:bodyPr>
+          <a:lstStyle/>
+          <a:p>
+            <a:pPr marL="0" indent="0">
+              <a:buNone/>
+            </a:pPr>
+            <a:r>
+              <a:rPr lang="en-US" sz="2000" b="1"/>
+              <a:t>1. Explore Cyber Laws:</a:t>
+            </a:r>
+          </a:p>
+          <a:p>
+            <a:pPr marL="0" indent="0">
+              <a:buNone/>
+            </a:pPr>
+            <a:r>
+              <a:rPr lang="en-US" sz="2000"/>
+              <a:t>Through this activity, I gained a deeper understanding of the various cyber laws that govern the protection of data and information in digital environments. I learned about the critical role these laws play in regulating online behavior, securing networks, and ensuring that organizations comply with legal standards when handling sensitive data.</a:t>
+            </a:r>
+          </a:p>
+          <a:p>
+            <a:pPr marL="0" indent="0">
+              <a:buNone/>
+            </a:pPr>
+            <a:endParaRPr lang="en-US" sz="2000"/>
+          </a:p>
+          <a:p>
+            <a:pPr marL="0" indent="0">
+              <a:buNone/>
+            </a:pPr>
+            <a:r>
+              <a:rPr lang="en-US" sz="2000"/>
+              <a:t> </a:t>
+            </a:r>
+            <a:r>
+              <a:rPr lang="en-US" sz="2000" b="1"/>
+              <a:t>2. Assess the Risk of a Small Information System for One Important Data Set:</a:t>
+            </a:r>
+          </a:p>
+          <a:p>
+            <a:pPr marL="0" indent="0">
+              <a:buNone/>
+            </a:pPr>
+            <a:r>
+              <a:rPr lang="en-US" sz="2000"/>
+              <a:t>This activity allowed me to practice assessing the risk associated with managing a small information system that handles a critical data set. I identified potential vulnerabilities using scanning tools such as NMAP and Nessus</a:t>
+            </a:r>
+          </a:p>
+          <a:p>
+            <a:endParaRPr lang="en-AU" sz="2000"/>
+          </a:p>
+        </p:txBody>
+      </p:sp>
+    </p:spTree>
+    <p:extLst>
+      <p:ext uri="{BB962C8B-B14F-4D97-AF65-F5344CB8AC3E}">
+        <p14:creationId xmlns:p14="http://schemas.microsoft.com/office/powerpoint/2010/main" val="1914443159"/>
+      </p:ext>
+    </p:extLst>
+  </p:cSld>
+  <p:clrMapOvr>
+    <a:masterClrMapping/>
+  </p:clrMapOvr>
+</p:sld>
+</file>
+
+<file path=ppt/slides/slide8.xml><?xml version="1.0" encoding="utf-8"?>
+<p:sld xmlns:a="http://schemas.openxmlformats.org/drawingml/2006/main" xmlns:r="http://schemas.openxmlformats.org/officeDocument/2006/relationships" xmlns:p="http://schemas.openxmlformats.org/presentationml/2006/main">
+  <p:cSld>
+    <p:bg>
+      <p:bgPr>
+        <a:solidFill>
+          <a:schemeClr val="bg1"/>
+        </a:solidFill>
+        <a:effectLst/>
+      </p:bgPr>
+    </p:bg>
+    <p:spTree>
+      <p:nvGrpSpPr>
+        <p:cNvPr id="1" name=""/>
+        <p:cNvGrpSpPr/>
+        <p:nvPr/>
+      </p:nvGrpSpPr>
+      <p:grpSpPr>
+        <a:xfrm>
+          <a:off x="0" y="0"/>
+          <a:ext cx="0" cy="0"/>
+          <a:chOff x="0" y="0"/>
+          <a:chExt cx="0" cy="0"/>
+        </a:xfrm>
+      </p:grpSpPr>
+      <p:sp useBgFill="1">
+        <p:nvSpPr>
+          <p:cNvPr id="11" name="Rectangle 10">
+            <a:extLst>
+              <a:ext uri="{FF2B5EF4-FFF2-40B4-BE49-F238E27FC236}">
+                <a16:creationId xmlns:a16="http://schemas.microsoft.com/office/drawing/2014/main" id="{2151139A-886F-4B97-8815-729AD3831BBD}"/>
+              </a:ext>
+              <a:ext uri="{C183D7F6-B498-43B3-948B-1728B52AA6E4}">
+                <adec:decorative xmlns:adec="http://schemas.microsoft.com/office/drawing/2017/decorative" val="1"/>
+              </a:ext>
+            </a:extLst>
+          </p:cNvPr>
+          <p:cNvSpPr>
+            <a:spLocks noGrp="1" noRot="1" noChangeAspect="1" noMove="1" noResize="1" noEditPoints="1" noAdjustHandles="1" noChangeArrowheads="1" noChangeShapeType="1" noTextEdit="1"/>
+          </p:cNvSpPr>
+          <p:nvPr>
+            <p:extLst>
+              <p:ext uri="{386F3935-93C4-4BCD-93E2-E3B085C9AB24}">
+                <p16:designElem xmlns:p16="http://schemas.microsoft.com/office/powerpoint/2015/main" val="1"/>
+              </p:ext>
+            </p:extLst>
+          </p:nvPr>
+        </p:nvSpPr>
+        <p:spPr>
+          <a:xfrm>
+            <a:off x="0" y="0"/>
+            <a:ext cx="12192000" cy="6858000"/>
+          </a:xfrm>
+          <a:prstGeom prst="rect">
+            <a:avLst/>
+          </a:prstGeom>
+          <a:ln w="12700" cap="flat" cmpd="sng" algn="ctr">
+            <a:noFill/>
+            <a:prstDash val="solid"/>
+            <a:miter lim="800000"/>
+          </a:ln>
+          <a:effectLst/>
+          <a:extLst>
+            <a:ext uri="{91240B29-F687-4F45-9708-019B960494DF}">
+              <a14:hiddenLine xmlns:a14="http://schemas.microsoft.com/office/drawing/2010/main" w="12700" cap="flat" cmpd="sng" algn="ctr">
+                <a:solidFill>
+                  <a:schemeClr val="accent1">
+                    <a:shade val="50000"/>
+                  </a:schemeClr>
+                </a:solidFill>
+                <a:prstDash val="solid"/>
+                <a:miter lim="800000"/>
+              </a14:hiddenLine>
+            </a:ext>
+          </a:extLst>
+        </p:spPr>
+        <p:style>
+          <a:lnRef idx="2">
+            <a:schemeClr val="accent1">
+              <a:shade val="50000"/>
+            </a:schemeClr>
+          </a:lnRef>
+          <a:fillRef idx="1">
+            <a:schemeClr val="accent1"/>
+          </a:fillRef>
+          <a:effectRef idx="0">
+            <a:schemeClr val="accent1"/>
+          </a:effectRef>
+          <a:fontRef idx="minor">
+            <a:schemeClr val="lt1"/>
+          </a:fontRef>
+        </p:style>
+        <p:txBody>
+          <a:bodyPr rtlCol="0" anchor="ctr"/>
+          <a:lstStyle/>
+          <a:p>
+            <a:pPr algn="ctr"/>
+            <a:endParaRPr lang="en-US" sz="2000"/>
+          </a:p>
+        </p:txBody>
+      </p:sp>
+      <p:sp>
+        <p:nvSpPr>
+          <p:cNvPr id="13" name="Rectangle 12">
+            <a:extLst>
+              <a:ext uri="{FF2B5EF4-FFF2-40B4-BE49-F238E27FC236}">
+                <a16:creationId xmlns:a16="http://schemas.microsoft.com/office/drawing/2014/main" id="{AB5E08C4-8CDD-4623-A5B8-E998C6DEE3B7}"/>
+              </a:ext>
+              <a:ext uri="{C183D7F6-B498-43B3-948B-1728B52AA6E4}">
+                <adec:decorative xmlns:adec="http://schemas.microsoft.com/office/drawing/2017/decorative" val="1"/>
+              </a:ext>
+            </a:extLst>
+          </p:cNvPr>
+          <p:cNvSpPr>
+            <a:spLocks noGrp="1" noRot="1" noChangeAspect="1" noMove="1" noResize="1" noEditPoints="1" noAdjustHandles="1" noChangeArrowheads="1" noChangeShapeType="1" noTextEdit="1"/>
+          </p:cNvSpPr>
+          <p:nvPr>
+            <p:extLst>
+              <p:ext uri="{386F3935-93C4-4BCD-93E2-E3B085C9AB24}">
+                <p16:designElem xmlns:p16="http://schemas.microsoft.com/office/powerpoint/2015/main" val="1"/>
+              </p:ext>
+            </p:extLst>
+          </p:nvPr>
+        </p:nvSpPr>
+        <p:spPr>
+          <a:xfrm flipH="1">
+            <a:off x="2" y="492"/>
+            <a:ext cx="12191998" cy="1575955"/>
+          </a:xfrm>
+          <a:prstGeom prst="rect">
+            <a:avLst/>
+          </a:prstGeom>
+          <a:gradFill>
+            <a:gsLst>
+              <a:gs pos="0">
+                <a:schemeClr val="accent1">
+                  <a:lumMod val="50000"/>
+                </a:schemeClr>
+              </a:gs>
+              <a:gs pos="100000">
+                <a:schemeClr val="accent1">
+                  <a:lumMod val="75000"/>
+                </a:schemeClr>
+              </a:gs>
+            </a:gsLst>
+            <a:lin ang="8400000" scaled="0"/>
+          </a:gradFill>
+          <a:ln>
+            <a:noFill/>
+          </a:ln>
+        </p:spPr>
+        <p:style>
+          <a:lnRef idx="2">
+            <a:schemeClr val="accent1">
+              <a:shade val="50000"/>
+            </a:schemeClr>
+          </a:lnRef>
+          <a:fillRef idx="1">
+            <a:schemeClr val="accent1"/>
+          </a:fillRef>
+          <a:effectRef idx="0">
+            <a:schemeClr val="accent1"/>
+          </a:effectRef>
+          <a:fontRef idx="minor">
+            <a:schemeClr val="lt1"/>
+          </a:fontRef>
+        </p:style>
+        <p:txBody>
+          <a:bodyPr rtlCol="0" anchor="ctr"/>
+          <a:lstStyle/>
+          <a:p>
+            <a:pPr algn="ctr"/>
+            <a:endParaRPr lang="en-US"/>
+          </a:p>
+        </p:txBody>
+      </p:sp>
+      <p:sp>
+        <p:nvSpPr>
+          <p:cNvPr id="15" name="Rectangle 14">
+            <a:extLst>
+              <a:ext uri="{FF2B5EF4-FFF2-40B4-BE49-F238E27FC236}">
+                <a16:creationId xmlns:a16="http://schemas.microsoft.com/office/drawing/2014/main" id="{15F33878-D502-4FFA-8ACE-F2AECDB2A23F}"/>
+              </a:ext>
+              <a:ext uri="{C183D7F6-B498-43B3-948B-1728B52AA6E4}">
+                <adec:decorative xmlns:adec="http://schemas.microsoft.com/office/drawing/2017/decorative" val="1"/>
+              </a:ext>
+            </a:extLst>
+          </p:cNvPr>
+          <p:cNvSpPr>
+            <a:spLocks noGrp="1" noRot="1" noChangeAspect="1" noMove="1" noResize="1" noEditPoints="1" noAdjustHandles="1" noChangeArrowheads="1" noChangeShapeType="1" noTextEdit="1"/>
+          </p:cNvSpPr>
+          <p:nvPr>
+            <p:extLst>
+              <p:ext uri="{386F3935-93C4-4BCD-93E2-E3B085C9AB24}">
+                <p16:designElem xmlns:p16="http://schemas.microsoft.com/office/powerpoint/2015/main" val="1"/>
+              </p:ext>
+            </p:extLst>
+          </p:nvPr>
+        </p:nvSpPr>
+        <p:spPr>
+          <a:xfrm rot="10800000" flipH="1">
+            <a:off x="8128857" y="35"/>
+            <a:ext cx="4063143" cy="1576412"/>
+          </a:xfrm>
+          <a:prstGeom prst="rect">
+            <a:avLst/>
+          </a:prstGeom>
+          <a:gradFill>
+            <a:gsLst>
+              <a:gs pos="19000">
+                <a:schemeClr val="accent1">
+                  <a:lumMod val="50000"/>
+                  <a:alpha val="68000"/>
+                </a:schemeClr>
+              </a:gs>
+              <a:gs pos="100000">
+                <a:schemeClr val="accent1">
+                  <a:alpha val="79000"/>
+                </a:schemeClr>
+              </a:gs>
+            </a:gsLst>
+            <a:lin ang="19200000" scaled="0"/>
+          </a:gradFill>
+          <a:ln>
+            <a:noFill/>
+          </a:ln>
+        </p:spPr>
+        <p:style>
+          <a:lnRef idx="2">
+            <a:schemeClr val="accent1">
+              <a:shade val="50000"/>
+            </a:schemeClr>
+          </a:lnRef>
+          <a:fillRef idx="1">
+            <a:schemeClr val="accent1"/>
+          </a:fillRef>
+          <a:effectRef idx="0">
+            <a:schemeClr val="accent1"/>
+          </a:effectRef>
+          <a:fontRef idx="minor">
+            <a:schemeClr val="lt1"/>
+          </a:fontRef>
+        </p:style>
+        <p:txBody>
+          <a:bodyPr rtlCol="0" anchor="ctr"/>
+          <a:lstStyle/>
+          <a:p>
+            <a:pPr algn="ctr"/>
+            <a:endParaRPr lang="en-US"/>
+          </a:p>
+        </p:txBody>
+      </p:sp>
+      <p:sp>
+        <p:nvSpPr>
+          <p:cNvPr id="17" name="Rectangle 16">
+            <a:extLst>
+              <a:ext uri="{FF2B5EF4-FFF2-40B4-BE49-F238E27FC236}">
+                <a16:creationId xmlns:a16="http://schemas.microsoft.com/office/drawing/2014/main" id="{D3539FEE-81D3-4406-802E-60B20B16F4F6}"/>
+              </a:ext>
+              <a:ext uri="{C183D7F6-B498-43B3-948B-1728B52AA6E4}">
+                <adec:decorative xmlns:adec="http://schemas.microsoft.com/office/drawing/2017/decorative" val="1"/>
+              </a:ext>
+            </a:extLst>
+          </p:cNvPr>
+          <p:cNvSpPr>
+            <a:spLocks noGrp="1" noRot="1" noChangeAspect="1" noMove="1" noResize="1" noEditPoints="1" noAdjustHandles="1" noChangeArrowheads="1" noChangeShapeType="1" noTextEdit="1"/>
+          </p:cNvSpPr>
+          <p:nvPr>
+            <p:extLst>
+              <p:ext uri="{386F3935-93C4-4BCD-93E2-E3B085C9AB24}">
+                <p16:designElem xmlns:p16="http://schemas.microsoft.com/office/powerpoint/2015/main" val="1"/>
+              </p:ext>
+            </p:extLst>
+          </p:nvPr>
+        </p:nvSpPr>
+        <p:spPr>
+          <a:xfrm rot="5400000">
+            <a:off x="5307778" y="-5307777"/>
+            <a:ext cx="1576446" cy="12192001"/>
+          </a:xfrm>
+          <a:prstGeom prst="rect">
+            <a:avLst/>
+          </a:prstGeom>
+          <a:gradFill>
+            <a:gsLst>
+              <a:gs pos="16000">
+                <a:srgbClr val="000000">
+                  <a:alpha val="0"/>
+                </a:srgbClr>
+              </a:gs>
+              <a:gs pos="99000">
+                <a:srgbClr val="000000">
+                  <a:alpha val="87000"/>
+                </a:srgbClr>
+              </a:gs>
+            </a:gsLst>
+            <a:lin ang="11400000" scaled="0"/>
+          </a:gradFill>
+          <a:ln>
+            <a:noFill/>
+          </a:ln>
+        </p:spPr>
+        <p:style>
+          <a:lnRef idx="2">
+            <a:schemeClr val="accent1">
+              <a:shade val="50000"/>
+            </a:schemeClr>
+          </a:lnRef>
+          <a:fillRef idx="1">
+            <a:schemeClr val="accent1"/>
+          </a:fillRef>
+          <a:effectRef idx="0">
+            <a:schemeClr val="accent1"/>
+          </a:effectRef>
+          <a:fontRef idx="minor">
+            <a:schemeClr val="lt1"/>
+          </a:fontRef>
+        </p:style>
+        <p:txBody>
+          <a:bodyPr rtlCol="0" anchor="ctr"/>
+          <a:lstStyle/>
+          <a:p>
+            <a:pPr algn="ctr"/>
+            <a:endParaRPr lang="en-US" dirty="0"/>
+          </a:p>
+        </p:txBody>
+      </p:sp>
+      <p:sp>
+        <p:nvSpPr>
+          <p:cNvPr id="19" name="Rectangle 18">
+            <a:extLst>
+              <a:ext uri="{FF2B5EF4-FFF2-40B4-BE49-F238E27FC236}">
+                <a16:creationId xmlns:a16="http://schemas.microsoft.com/office/drawing/2014/main" id="{DC701763-729E-462F-A5A8-E0DEFEB1E2E4}"/>
+              </a:ext>
+              <a:ext uri="{C183D7F6-B498-43B3-948B-1728B52AA6E4}">
+                <adec:decorative xmlns:adec="http://schemas.microsoft.com/office/drawing/2017/decorative" val="1"/>
+              </a:ext>
+            </a:extLst>
+          </p:cNvPr>
+          <p:cNvSpPr>
+            <a:spLocks noGrp="1" noRot="1" noChangeAspect="1" noMove="1" noResize="1" noEditPoints="1" noAdjustHandles="1" noChangeArrowheads="1" noChangeShapeType="1" noTextEdit="1"/>
+          </p:cNvSpPr>
+          <p:nvPr>
+            <p:extLst>
+              <p:ext uri="{386F3935-93C4-4BCD-93E2-E3B085C9AB24}">
+                <p16:designElem xmlns:p16="http://schemas.microsoft.com/office/powerpoint/2015/main" val="1"/>
+              </p:ext>
+            </p:extLst>
+          </p:nvPr>
+        </p:nvSpPr>
+        <p:spPr>
+          <a:xfrm>
+            <a:off x="3825434" y="986"/>
+            <a:ext cx="4303422" cy="1575461"/>
+          </a:xfrm>
+          <a:prstGeom prst="rect">
+            <a:avLst/>
+          </a:prstGeom>
+          <a:gradFill>
+            <a:gsLst>
+              <a:gs pos="0">
+                <a:schemeClr val="accent1">
+                  <a:alpha val="17000"/>
+                </a:schemeClr>
+              </a:gs>
+              <a:gs pos="74000">
+                <a:schemeClr val="accent1">
+                  <a:lumMod val="50000"/>
+                  <a:alpha val="0"/>
+                </a:schemeClr>
+              </a:gs>
+            </a:gsLst>
+            <a:lin ang="14400000" scaled="0"/>
+          </a:gradFill>
+          <a:ln>
+            <a:noFill/>
+          </a:ln>
+        </p:spPr>
+        <p:style>
+          <a:lnRef idx="2">
+            <a:schemeClr val="accent1">
+              <a:shade val="50000"/>
+            </a:schemeClr>
+          </a:lnRef>
+          <a:fillRef idx="1">
+            <a:schemeClr val="accent1"/>
+          </a:fillRef>
+          <a:effectRef idx="0">
+            <a:schemeClr val="accent1"/>
+          </a:effectRef>
+          <a:fontRef idx="minor">
+            <a:schemeClr val="lt1"/>
+          </a:fontRef>
+        </p:style>
+        <p:txBody>
+          <a:bodyPr rtlCol="0" anchor="ctr"/>
+          <a:lstStyle/>
+          <a:p>
+            <a:pPr algn="ctr"/>
+            <a:endParaRPr lang="en-US"/>
+          </a:p>
+        </p:txBody>
+      </p:sp>
+      <p:sp>
+        <p:nvSpPr>
+          <p:cNvPr id="2" name="Title 1">
+            <a:extLst>
+              <a:ext uri="{FF2B5EF4-FFF2-40B4-BE49-F238E27FC236}">
+                <a16:creationId xmlns:a16="http://schemas.microsoft.com/office/drawing/2014/main" id="{F0B93B18-C2B2-D111-648D-6E6100147399}"/>
+              </a:ext>
+            </a:extLst>
+          </p:cNvPr>
+          <p:cNvSpPr>
+            <a:spLocks noGrp="1"/>
+          </p:cNvSpPr>
+          <p:nvPr>
+            <p:ph type="title"/>
+          </p:nvPr>
+        </p:nvSpPr>
+        <p:spPr>
+          <a:xfrm>
+            <a:off x="699714" y="353160"/>
+            <a:ext cx="7091300" cy="898581"/>
+          </a:xfrm>
+        </p:spPr>
+        <p:txBody>
+          <a:bodyPr vert="horz" lIns="91440" tIns="45720" rIns="91440" bIns="45720" rtlCol="0" anchor="ctr">
+            <a:normAutofit/>
+          </a:bodyPr>
+          <a:lstStyle/>
+          <a:p>
+            <a:r>
+              <a:rPr lang="en-US" sz="4000">
+                <a:solidFill>
+                  <a:srgbClr val="FFFFFF"/>
+                </a:solidFill>
+              </a:rPr>
+              <a:t>Week 6 – Activity worksheet </a:t>
+            </a:r>
+          </a:p>
+        </p:txBody>
+      </p:sp>
+      <p:pic>
+        <p:nvPicPr>
+          <p:cNvPr id="5" name="Content Placeholder 4" descr="A screenshot of a computer&#10;&#10;Description automatically generated">
+            <a:extLst>
+              <a:ext uri="{FF2B5EF4-FFF2-40B4-BE49-F238E27FC236}">
+                <a16:creationId xmlns:a16="http://schemas.microsoft.com/office/drawing/2014/main" id="{2FAE35EF-DB02-39B5-5A29-7D0C59052209}"/>
+              </a:ext>
+            </a:extLst>
+          </p:cNvPr>
+          <p:cNvPicPr>
+            <a:picLocks noGrp="1" noChangeAspect="1"/>
+          </p:cNvPicPr>
+          <p:nvPr>
+            <p:ph sz="half" idx="1"/>
+          </p:nvPr>
+        </p:nvPicPr>
+        <p:blipFill>
+          <a:blip r:embed="rId2"/>
+          <a:stretch>
+            <a:fillRect/>
+          </a:stretch>
+        </p:blipFill>
+        <p:spPr>
+          <a:xfrm>
+            <a:off x="715748" y="2377950"/>
+            <a:ext cx="5131088" cy="3604589"/>
+          </a:xfrm>
+          <a:prstGeom prst="rect">
+            <a:avLst/>
+          </a:prstGeom>
+        </p:spPr>
+      </p:pic>
+      <p:pic>
+        <p:nvPicPr>
+          <p:cNvPr id="6" name="Content Placeholder 5" descr="A screenshot of a computer&#10;&#10;Description automatically generated">
+            <a:extLst>
+              <a:ext uri="{FF2B5EF4-FFF2-40B4-BE49-F238E27FC236}">
+                <a16:creationId xmlns:a16="http://schemas.microsoft.com/office/drawing/2014/main" id="{55431F85-3962-24ED-FAE8-83679770136D}"/>
+              </a:ext>
+            </a:extLst>
+          </p:cNvPr>
+          <p:cNvPicPr>
+            <a:picLocks noGrp="1" noChangeAspect="1"/>
+          </p:cNvPicPr>
+          <p:nvPr>
+            <p:ph sz="half" idx="2"/>
+          </p:nvPr>
+        </p:nvPicPr>
+        <p:blipFill>
+          <a:blip r:embed="rId3"/>
+          <a:stretch>
+            <a:fillRect/>
+          </a:stretch>
+        </p:blipFill>
+        <p:spPr>
+          <a:xfrm>
+            <a:off x="6345165" y="2408022"/>
+            <a:ext cx="5131087" cy="3617416"/>
           </a:xfrm>
           <a:prstGeom prst="rect">
             <a:avLst/>
@@ -4071,7 +6243,592 @@
     </p:spTree>
     <p:extLst>
       <p:ext uri="{BB962C8B-B14F-4D97-AF65-F5344CB8AC3E}">
-        <p14:creationId xmlns:p14="http://schemas.microsoft.com/office/powerpoint/2010/main" val="2185764903"/>
+        <p14:creationId xmlns:p14="http://schemas.microsoft.com/office/powerpoint/2010/main" val="3103984771"/>
+      </p:ext>
+    </p:extLst>
+  </p:cSld>
+  <p:clrMapOvr>
+    <a:masterClrMapping/>
+  </p:clrMapOvr>
+</p:sld>
+</file>
+
+<file path=ppt/slides/slide9.xml><?xml version="1.0" encoding="utf-8"?>
+<p:sld xmlns:a="http://schemas.openxmlformats.org/drawingml/2006/main" xmlns:r="http://schemas.openxmlformats.org/officeDocument/2006/relationships" xmlns:p="http://schemas.openxmlformats.org/presentationml/2006/main">
+  <p:cSld>
+    <p:bg>
+      <p:bgPr>
+        <a:solidFill>
+          <a:schemeClr val="bg1"/>
+        </a:solidFill>
+        <a:effectLst/>
+      </p:bgPr>
+    </p:bg>
+    <p:spTree>
+      <p:nvGrpSpPr>
+        <p:cNvPr id="1" name=""/>
+        <p:cNvGrpSpPr/>
+        <p:nvPr/>
+      </p:nvGrpSpPr>
+      <p:grpSpPr>
+        <a:xfrm>
+          <a:off x="0" y="0"/>
+          <a:ext cx="0" cy="0"/>
+          <a:chOff x="0" y="0"/>
+          <a:chExt cx="0" cy="0"/>
+        </a:xfrm>
+      </p:grpSpPr>
+      <p:sp useBgFill="1">
+        <p:nvSpPr>
+          <p:cNvPr id="10" name="Rectangle 9">
+            <a:extLst>
+              <a:ext uri="{FF2B5EF4-FFF2-40B4-BE49-F238E27FC236}">
+                <a16:creationId xmlns:a16="http://schemas.microsoft.com/office/drawing/2014/main" id="{A8384FB5-9ADC-4DDC-881B-597D56F5B15D}"/>
+              </a:ext>
+              <a:ext uri="{C183D7F6-B498-43B3-948B-1728B52AA6E4}">
+                <adec:decorative xmlns:adec="http://schemas.microsoft.com/office/drawing/2017/decorative" val="1"/>
+              </a:ext>
+            </a:extLst>
+          </p:cNvPr>
+          <p:cNvSpPr>
+            <a:spLocks noGrp="1" noRot="1" noChangeAspect="1" noMove="1" noResize="1" noEditPoints="1" noAdjustHandles="1" noChangeArrowheads="1" noChangeShapeType="1" noTextEdit="1"/>
+          </p:cNvSpPr>
+          <p:nvPr>
+            <p:extLst>
+              <p:ext uri="{386F3935-93C4-4BCD-93E2-E3B085C9AB24}">
+                <p16:designElem xmlns:p16="http://schemas.microsoft.com/office/powerpoint/2015/main" val="1"/>
+              </p:ext>
+            </p:extLst>
+          </p:nvPr>
+        </p:nvSpPr>
+        <p:spPr>
+          <a:xfrm>
+            <a:off x="0" y="0"/>
+            <a:ext cx="12192000" cy="6858000"/>
+          </a:xfrm>
+          <a:prstGeom prst="rect">
+            <a:avLst/>
+          </a:prstGeom>
+          <a:ln w="12700" cap="flat" cmpd="sng" algn="ctr">
+            <a:noFill/>
+            <a:prstDash val="solid"/>
+            <a:miter lim="800000"/>
+          </a:ln>
+          <a:effectLst/>
+          <a:extLst>
+            <a:ext uri="{91240B29-F687-4F45-9708-019B960494DF}">
+              <a14:hiddenLine xmlns:a14="http://schemas.microsoft.com/office/drawing/2010/main" w="12700" cap="flat" cmpd="sng" algn="ctr">
+                <a:solidFill>
+                  <a:schemeClr val="accent1">
+                    <a:shade val="50000"/>
+                  </a:schemeClr>
+                </a:solidFill>
+                <a:prstDash val="solid"/>
+                <a:miter lim="800000"/>
+              </a14:hiddenLine>
+            </a:ext>
+          </a:extLst>
+        </p:spPr>
+        <p:style>
+          <a:lnRef idx="2">
+            <a:schemeClr val="accent1">
+              <a:shade val="50000"/>
+            </a:schemeClr>
+          </a:lnRef>
+          <a:fillRef idx="1">
+            <a:schemeClr val="accent1"/>
+          </a:fillRef>
+          <a:effectRef idx="0">
+            <a:schemeClr val="accent1"/>
+          </a:effectRef>
+          <a:fontRef idx="minor">
+            <a:schemeClr val="lt1"/>
+          </a:fontRef>
+        </p:style>
+        <p:txBody>
+          <a:bodyPr rtlCol="0" anchor="ctr"/>
+          <a:lstStyle/>
+          <a:p>
+            <a:pPr algn="ctr"/>
+            <a:endParaRPr lang="en-US"/>
+          </a:p>
+        </p:txBody>
+      </p:sp>
+      <p:sp>
+        <p:nvSpPr>
+          <p:cNvPr id="12" name="Rectangle 11">
+            <a:extLst>
+              <a:ext uri="{FF2B5EF4-FFF2-40B4-BE49-F238E27FC236}">
+                <a16:creationId xmlns:a16="http://schemas.microsoft.com/office/drawing/2014/main" id="{91E5A9A7-95C6-4F4F-B00E-C82E07FE62EF}"/>
+              </a:ext>
+              <a:ext uri="{C183D7F6-B498-43B3-948B-1728B52AA6E4}">
+                <adec:decorative xmlns:adec="http://schemas.microsoft.com/office/drawing/2017/decorative" val="1"/>
+              </a:ext>
+            </a:extLst>
+          </p:cNvPr>
+          <p:cNvSpPr>
+            <a:spLocks noGrp="1" noRot="1" noChangeAspect="1" noMove="1" noResize="1" noEditPoints="1" noAdjustHandles="1" noChangeArrowheads="1" noChangeShapeType="1" noTextEdit="1"/>
+          </p:cNvSpPr>
+          <p:nvPr>
+            <p:extLst>
+              <p:ext uri="{386F3935-93C4-4BCD-93E2-E3B085C9AB24}">
+                <p16:designElem xmlns:p16="http://schemas.microsoft.com/office/powerpoint/2015/main" val="1"/>
+              </p:ext>
+            </p:extLst>
+          </p:nvPr>
+        </p:nvSpPr>
+        <p:spPr>
+          <a:xfrm rot="5400000" flipH="1">
+            <a:off x="-1417539" y="1417538"/>
+            <a:ext cx="6875818" cy="4040744"/>
+          </a:xfrm>
+          <a:prstGeom prst="rect">
+            <a:avLst/>
+          </a:prstGeom>
+          <a:gradFill>
+            <a:gsLst>
+              <a:gs pos="0">
+                <a:srgbClr val="000000"/>
+              </a:gs>
+              <a:gs pos="100000">
+                <a:schemeClr val="accent1">
+                  <a:lumMod val="75000"/>
+                </a:schemeClr>
+              </a:gs>
+            </a:gsLst>
+            <a:lin ang="18600000" scaled="0"/>
+          </a:gradFill>
+          <a:ln>
+            <a:noFill/>
+          </a:ln>
+        </p:spPr>
+        <p:style>
+          <a:lnRef idx="2">
+            <a:schemeClr val="accent1">
+              <a:shade val="50000"/>
+            </a:schemeClr>
+          </a:lnRef>
+          <a:fillRef idx="1">
+            <a:schemeClr val="accent1"/>
+          </a:fillRef>
+          <a:effectRef idx="0">
+            <a:schemeClr val="accent1"/>
+          </a:effectRef>
+          <a:fontRef idx="minor">
+            <a:schemeClr val="lt1"/>
+          </a:fontRef>
+        </p:style>
+        <p:txBody>
+          <a:bodyPr rtlCol="0" anchor="ctr"/>
+          <a:lstStyle/>
+          <a:p>
+            <a:pPr algn="ctr"/>
+            <a:endParaRPr lang="en-US" dirty="0"/>
+          </a:p>
+        </p:txBody>
+      </p:sp>
+      <p:sp>
+        <p:nvSpPr>
+          <p:cNvPr id="14" name="Rectangle 13">
+            <a:extLst>
+              <a:ext uri="{FF2B5EF4-FFF2-40B4-BE49-F238E27FC236}">
+                <a16:creationId xmlns:a16="http://schemas.microsoft.com/office/drawing/2014/main" id="{D07DD2DE-F619-49DD-B5E7-03A290FF4ED1}"/>
+              </a:ext>
+              <a:ext uri="{C183D7F6-B498-43B3-948B-1728B52AA6E4}">
+                <adec:decorative xmlns:adec="http://schemas.microsoft.com/office/drawing/2017/decorative" val="1"/>
+              </a:ext>
+            </a:extLst>
+          </p:cNvPr>
+          <p:cNvSpPr>
+            <a:spLocks noGrp="1" noRot="1" noChangeAspect="1" noMove="1" noResize="1" noEditPoints="1" noAdjustHandles="1" noChangeArrowheads="1" noChangeShapeType="1" noTextEdit="1"/>
+          </p:cNvSpPr>
+          <p:nvPr>
+            <p:extLst>
+              <p:ext uri="{386F3935-93C4-4BCD-93E2-E3B085C9AB24}">
+                <p16:designElem xmlns:p16="http://schemas.microsoft.com/office/powerpoint/2015/main" val="1"/>
+              </p:ext>
+            </p:extLst>
+          </p:nvPr>
+        </p:nvSpPr>
+        <p:spPr>
+          <a:xfrm rot="16200000">
+            <a:off x="-158495" y="2660473"/>
+            <a:ext cx="4355594" cy="4038603"/>
+          </a:xfrm>
+          <a:prstGeom prst="rect">
+            <a:avLst/>
+          </a:prstGeom>
+          <a:gradFill>
+            <a:gsLst>
+              <a:gs pos="0">
+                <a:schemeClr val="accent1">
+                  <a:alpha val="50000"/>
+                </a:schemeClr>
+              </a:gs>
+              <a:gs pos="100000">
+                <a:schemeClr val="accent1">
+                  <a:lumMod val="50000"/>
+                  <a:alpha val="0"/>
+                </a:schemeClr>
+              </a:gs>
+            </a:gsLst>
+            <a:lin ang="11400000" scaled="0"/>
+          </a:gradFill>
+          <a:ln>
+            <a:noFill/>
+          </a:ln>
+        </p:spPr>
+        <p:style>
+          <a:lnRef idx="2">
+            <a:schemeClr val="accent1">
+              <a:shade val="50000"/>
+            </a:schemeClr>
+          </a:lnRef>
+          <a:fillRef idx="1">
+            <a:schemeClr val="accent1"/>
+          </a:fillRef>
+          <a:effectRef idx="0">
+            <a:schemeClr val="accent1"/>
+          </a:effectRef>
+          <a:fontRef idx="minor">
+            <a:schemeClr val="lt1"/>
+          </a:fontRef>
+        </p:style>
+        <p:txBody>
+          <a:bodyPr rtlCol="0" anchor="ctr"/>
+          <a:lstStyle/>
+          <a:p>
+            <a:pPr algn="ctr"/>
+            <a:endParaRPr lang="en-US"/>
+          </a:p>
+        </p:txBody>
+      </p:sp>
+      <p:sp>
+        <p:nvSpPr>
+          <p:cNvPr id="16" name="Rectangle 15">
+            <a:extLst>
+              <a:ext uri="{FF2B5EF4-FFF2-40B4-BE49-F238E27FC236}">
+                <a16:creationId xmlns:a16="http://schemas.microsoft.com/office/drawing/2014/main" id="{85149191-5F60-4A28-AAFF-039F96B0F3EC}"/>
+              </a:ext>
+              <a:ext uri="{C183D7F6-B498-43B3-948B-1728B52AA6E4}">
+                <adec:decorative xmlns:adec="http://schemas.microsoft.com/office/drawing/2017/decorative" val="1"/>
+              </a:ext>
+            </a:extLst>
+          </p:cNvPr>
+          <p:cNvSpPr>
+            <a:spLocks noGrp="1" noRot="1" noChangeAspect="1" noMove="1" noResize="1" noEditPoints="1" noAdjustHandles="1" noChangeArrowheads="1" noChangeShapeType="1" noTextEdit="1"/>
+          </p:cNvSpPr>
+          <p:nvPr>
+            <p:extLst>
+              <p:ext uri="{386F3935-93C4-4BCD-93E2-E3B085C9AB24}">
+                <p16:designElem xmlns:p16="http://schemas.microsoft.com/office/powerpoint/2015/main" val="1"/>
+              </p:ext>
+            </p:extLst>
+          </p:nvPr>
+        </p:nvSpPr>
+        <p:spPr>
+          <a:xfrm rot="16200000" flipH="1">
+            <a:off x="-1180882" y="1638085"/>
+            <a:ext cx="6857572" cy="3581401"/>
+          </a:xfrm>
+          <a:prstGeom prst="rect">
+            <a:avLst/>
+          </a:prstGeom>
+          <a:gradFill>
+            <a:gsLst>
+              <a:gs pos="0">
+                <a:srgbClr val="000000">
+                  <a:alpha val="59000"/>
+                </a:srgbClr>
+              </a:gs>
+              <a:gs pos="69000">
+                <a:schemeClr val="accent1">
+                  <a:alpha val="0"/>
+                </a:schemeClr>
+              </a:gs>
+            </a:gsLst>
+            <a:lin ang="13200000" scaled="0"/>
+          </a:gradFill>
+          <a:ln>
+            <a:noFill/>
+          </a:ln>
+        </p:spPr>
+        <p:style>
+          <a:lnRef idx="2">
+            <a:schemeClr val="accent1">
+              <a:shade val="50000"/>
+            </a:schemeClr>
+          </a:lnRef>
+          <a:fillRef idx="1">
+            <a:schemeClr val="accent1"/>
+          </a:fillRef>
+          <a:effectRef idx="0">
+            <a:schemeClr val="accent1"/>
+          </a:effectRef>
+          <a:fontRef idx="minor">
+            <a:schemeClr val="lt1"/>
+          </a:fontRef>
+        </p:style>
+        <p:txBody>
+          <a:bodyPr rtlCol="0" anchor="ctr"/>
+          <a:lstStyle/>
+          <a:p>
+            <a:pPr algn="ctr"/>
+            <a:endParaRPr lang="en-US" dirty="0"/>
+          </a:p>
+        </p:txBody>
+      </p:sp>
+      <p:sp>
+        <p:nvSpPr>
+          <p:cNvPr id="18" name="Freeform: Shape 17">
+            <a:extLst>
+              <a:ext uri="{FF2B5EF4-FFF2-40B4-BE49-F238E27FC236}">
+                <a16:creationId xmlns:a16="http://schemas.microsoft.com/office/drawing/2014/main" id="{F8260ED5-17F7-4158-B241-D51DD4CF1B7E}"/>
+              </a:ext>
+              <a:ext uri="{C183D7F6-B498-43B3-948B-1728B52AA6E4}">
+                <adec:decorative xmlns:adec="http://schemas.microsoft.com/office/drawing/2017/decorative" val="1"/>
+              </a:ext>
+            </a:extLst>
+          </p:cNvPr>
+          <p:cNvSpPr>
+            <a:spLocks noGrp="1" noRot="1" noChangeAspect="1" noMove="1" noResize="1" noEditPoints="1" noAdjustHandles="1" noChangeArrowheads="1" noChangeShapeType="1" noTextEdit="1"/>
+          </p:cNvSpPr>
+          <p:nvPr>
+            <p:extLst>
+              <p:ext uri="{386F3935-93C4-4BCD-93E2-E3B085C9AB24}">
+                <p16:designElem xmlns:p16="http://schemas.microsoft.com/office/powerpoint/2015/main" val="1"/>
+              </p:ext>
+            </p:extLst>
+          </p:nvPr>
+        </p:nvSpPr>
+        <p:spPr>
+          <a:xfrm rot="6097846">
+            <a:off x="-747355" y="1201312"/>
+            <a:ext cx="4808302" cy="4088666"/>
+          </a:xfrm>
+          <a:custGeom>
+            <a:avLst/>
+            <a:gdLst>
+              <a:gd name="connsiteX0" fmla="*/ 48844 w 4808302"/>
+              <a:gd name="connsiteY0" fmla="*/ 2888671 h 4088666"/>
+              <a:gd name="connsiteX1" fmla="*/ 0 w 4808302"/>
+              <a:gd name="connsiteY1" fmla="*/ 2404151 h 4088666"/>
+              <a:gd name="connsiteX2" fmla="*/ 2404151 w 4808302"/>
+              <a:gd name="connsiteY2" fmla="*/ 0 h 4088666"/>
+              <a:gd name="connsiteX3" fmla="*/ 4808302 w 4808302"/>
+              <a:gd name="connsiteY3" fmla="*/ 2404151 h 4088666"/>
+              <a:gd name="connsiteX4" fmla="*/ 4700216 w 4808302"/>
+              <a:gd name="connsiteY4" fmla="*/ 3119072 h 4088666"/>
+              <a:gd name="connsiteX5" fmla="*/ 4643143 w 4808302"/>
+              <a:gd name="connsiteY5" fmla="*/ 3275009 h 4088666"/>
+              <a:gd name="connsiteX6" fmla="*/ 690093 w 4808302"/>
+              <a:gd name="connsiteY6" fmla="*/ 4088666 h 4088666"/>
+              <a:gd name="connsiteX7" fmla="*/ 548991 w 4808302"/>
+              <a:gd name="connsiteY7" fmla="*/ 3933414 h 4088666"/>
+              <a:gd name="connsiteX8" fmla="*/ 48844 w 4808302"/>
+              <a:gd name="connsiteY8" fmla="*/ 2888671 h 4088666"/>
+            </a:gdLst>
+            <a:ahLst/>
+            <a:cxnLst>
+              <a:cxn ang="0">
+                <a:pos x="connsiteX0" y="connsiteY0"/>
+              </a:cxn>
+              <a:cxn ang="0">
+                <a:pos x="connsiteX1" y="connsiteY1"/>
+              </a:cxn>
+              <a:cxn ang="0">
+                <a:pos x="connsiteX2" y="connsiteY2"/>
+              </a:cxn>
+              <a:cxn ang="0">
+                <a:pos x="connsiteX3" y="connsiteY3"/>
+              </a:cxn>
+              <a:cxn ang="0">
+                <a:pos x="connsiteX4" y="connsiteY4"/>
+              </a:cxn>
+              <a:cxn ang="0">
+                <a:pos x="connsiteX5" y="connsiteY5"/>
+              </a:cxn>
+              <a:cxn ang="0">
+                <a:pos x="connsiteX6" y="connsiteY6"/>
+              </a:cxn>
+              <a:cxn ang="0">
+                <a:pos x="connsiteX7" y="connsiteY7"/>
+              </a:cxn>
+              <a:cxn ang="0">
+                <a:pos x="connsiteX8" y="connsiteY8"/>
+              </a:cxn>
+            </a:cxnLst>
+            <a:rect l="l" t="t" r="r" b="b"/>
+            <a:pathLst>
+              <a:path w="4808302" h="4088666">
+                <a:moveTo>
+                  <a:pt x="48844" y="2888671"/>
+                </a:moveTo>
+                <a:cubicBezTo>
+                  <a:pt x="16818" y="2732167"/>
+                  <a:pt x="0" y="2570123"/>
+                  <a:pt x="0" y="2404151"/>
+                </a:cubicBezTo>
+                <a:cubicBezTo>
+                  <a:pt x="0" y="1076375"/>
+                  <a:pt x="1076375" y="0"/>
+                  <a:pt x="2404151" y="0"/>
+                </a:cubicBezTo>
+                <a:cubicBezTo>
+                  <a:pt x="3731927" y="0"/>
+                  <a:pt x="4808302" y="1076375"/>
+                  <a:pt x="4808302" y="2404151"/>
+                </a:cubicBezTo>
+                <a:cubicBezTo>
+                  <a:pt x="4808302" y="2653109"/>
+                  <a:pt x="4770461" y="2893229"/>
+                  <a:pt x="4700216" y="3119072"/>
+                </a:cubicBezTo>
+                <a:lnTo>
+                  <a:pt x="4643143" y="3275009"/>
+                </a:lnTo>
+                <a:lnTo>
+                  <a:pt x="690093" y="4088666"/>
+                </a:lnTo>
+                <a:lnTo>
+                  <a:pt x="548991" y="3933414"/>
+                </a:lnTo>
+                <a:cubicBezTo>
+                  <a:pt x="304015" y="3636572"/>
+                  <a:pt x="128908" y="3279932"/>
+                  <a:pt x="48844" y="2888671"/>
+                </a:cubicBezTo>
+                <a:close/>
+              </a:path>
+            </a:pathLst>
+          </a:custGeom>
+          <a:gradFill>
+            <a:gsLst>
+              <a:gs pos="39000">
+                <a:schemeClr val="accent1">
+                  <a:lumMod val="60000"/>
+                  <a:lumOff val="40000"/>
+                  <a:alpha val="0"/>
+                </a:schemeClr>
+              </a:gs>
+              <a:gs pos="100000">
+                <a:schemeClr val="accent1">
+                  <a:lumMod val="75000"/>
+                  <a:alpha val="26000"/>
+                </a:schemeClr>
+              </a:gs>
+            </a:gsLst>
+            <a:lin ang="18600000" scaled="0"/>
+          </a:gradFill>
+          <a:ln>
+            <a:noFill/>
+          </a:ln>
+        </p:spPr>
+        <p:style>
+          <a:lnRef idx="2">
+            <a:schemeClr val="accent1">
+              <a:shade val="50000"/>
+            </a:schemeClr>
+          </a:lnRef>
+          <a:fillRef idx="1">
+            <a:schemeClr val="accent1"/>
+          </a:fillRef>
+          <a:effectRef idx="0">
+            <a:schemeClr val="accent1"/>
+          </a:effectRef>
+          <a:fontRef idx="minor">
+            <a:schemeClr val="lt1"/>
+          </a:fontRef>
+        </p:style>
+        <p:txBody>
+          <a:bodyPr wrap="square" rtlCol="0" anchor="ctr">
+            <a:noAutofit/>
+          </a:bodyPr>
+          <a:lstStyle/>
+          <a:p>
+            <a:pPr algn="ctr"/>
+            <a:endParaRPr lang="en-US" dirty="0"/>
+          </a:p>
+        </p:txBody>
+      </p:sp>
+      <p:sp>
+        <p:nvSpPr>
+          <p:cNvPr id="2" name="Title 1">
+            <a:extLst>
+              <a:ext uri="{FF2B5EF4-FFF2-40B4-BE49-F238E27FC236}">
+                <a16:creationId xmlns:a16="http://schemas.microsoft.com/office/drawing/2014/main" id="{080FA0A1-C828-6240-EE0B-00CA7885AD47}"/>
+              </a:ext>
+            </a:extLst>
+          </p:cNvPr>
+          <p:cNvSpPr>
+            <a:spLocks noGrp="1"/>
+          </p:cNvSpPr>
+          <p:nvPr>
+            <p:ph type="title"/>
+          </p:nvPr>
+        </p:nvSpPr>
+        <p:spPr>
+          <a:xfrm>
+            <a:off x="660041" y="2767106"/>
+            <a:ext cx="2880828" cy="3071906"/>
+          </a:xfrm>
+        </p:spPr>
+        <p:txBody>
+          <a:bodyPr vert="horz" lIns="91440" tIns="45720" rIns="91440" bIns="45720" rtlCol="0" anchor="t">
+            <a:normAutofit/>
+          </a:bodyPr>
+          <a:lstStyle/>
+          <a:p>
+            <a:r>
+              <a:rPr lang="en-US" sz="4000" kern="1200">
+                <a:solidFill>
+                  <a:srgbClr val="FFFFFF"/>
+                </a:solidFill>
+                <a:latin typeface="+mj-lt"/>
+                <a:ea typeface="+mj-ea"/>
+                <a:cs typeface="+mj-cs"/>
+              </a:rPr>
+              <a:t>Week 6 – Activity worksheet (Cont.)</a:t>
+            </a:r>
+          </a:p>
+        </p:txBody>
+      </p:sp>
+      <p:pic>
+        <p:nvPicPr>
+          <p:cNvPr id="5" name="Content Placeholder 4">
+            <a:extLst>
+              <a:ext uri="{FF2B5EF4-FFF2-40B4-BE49-F238E27FC236}">
+                <a16:creationId xmlns:a16="http://schemas.microsoft.com/office/drawing/2014/main" id="{735C1A83-BFCF-4ABC-F9B5-8A3C04027003}"/>
+              </a:ext>
+            </a:extLst>
+          </p:cNvPr>
+          <p:cNvPicPr>
+            <a:picLocks noGrp="1" noChangeAspect="1"/>
+          </p:cNvPicPr>
+          <p:nvPr>
+            <p:ph sz="half" idx="1"/>
+          </p:nvPr>
+        </p:nvPicPr>
+        <p:blipFill>
+          <a:blip r:embed="rId2"/>
+          <a:stretch>
+            <a:fillRect/>
+          </a:stretch>
+        </p:blipFill>
+        <p:spPr>
+          <a:xfrm>
+            <a:off x="4502428" y="701281"/>
+            <a:ext cx="7225748" cy="5455438"/>
+          </a:xfrm>
+          <a:prstGeom prst="rect">
+            <a:avLst/>
+          </a:prstGeom>
+        </p:spPr>
+      </p:pic>
+    </p:spTree>
+    <p:extLst>
+      <p:ext uri="{BB962C8B-B14F-4D97-AF65-F5344CB8AC3E}">
+        <p14:creationId xmlns:p14="http://schemas.microsoft.com/office/powerpoint/2010/main" val="79698364"/>
       </p:ext>
     </p:extLst>
   </p:cSld>
